--- a/_episodes/R-ladies/ppt/2021-04-23_setup.pptx
+++ b/_episodes/R-ladies/ppt/2021-04-23_setup.pptx
@@ -58,7 +58,7 @@
       </p:grpSpPr>
       <p:sp>
         <p:nvSpPr>
-          <p:cNvPr id="26" name="PlaceHolder 1"/>
+          <p:cNvPr id="23" name="PlaceHolder 1"/>
           <p:cNvSpPr>
             <a:spLocks noGrp="1"/>
           </p:cNvSpPr>
@@ -68,8 +68,8 @@
         </p:nvSpPr>
         <p:spPr>
           <a:xfrm>
-            <a:off x="838080" y="365040"/>
-            <a:ext cx="10515240" cy="1325160"/>
+            <a:off x="609480" y="273600"/>
+            <a:ext cx="10972440" cy="1144800"/>
           </a:xfrm>
           <a:prstGeom prst="rect">
             <a:avLst/>
@@ -80,18 +80,16 @@
             <a:noAutofit/>
           </a:bodyPr>
           <a:p>
-            <a:endParaRPr b="0" lang="en-US" sz="1800" spc="-1" strike="noStrike">
-              <a:solidFill>
-                <a:srgbClr val="000000"/>
-              </a:solidFill>
-              <a:latin typeface="Calibri"/>
-            </a:endParaRPr>
-          </a:p>
-        </p:txBody>
-      </p:sp>
-      <p:sp>
-        <p:nvSpPr>
-          <p:cNvPr id="27" name="PlaceHolder 2"/>
+            <a:pPr algn="ctr"/>
+            <a:endParaRPr b="0" lang="en-US" sz="4400" spc="-1" strike="noStrike">
+              <a:latin typeface="Arial"/>
+            </a:endParaRPr>
+          </a:p>
+        </p:txBody>
+      </p:sp>
+      <p:sp>
+        <p:nvSpPr>
+          <p:cNvPr id="24" name="PlaceHolder 2"/>
           <p:cNvSpPr>
             <a:spLocks noGrp="1"/>
           </p:cNvSpPr>
@@ -101,8 +99,8 @@
         </p:nvSpPr>
         <p:spPr>
           <a:xfrm>
-            <a:off x="838080" y="1825560"/>
-            <a:ext cx="10515240" cy="2075040"/>
+            <a:off x="609480" y="1604520"/>
+            <a:ext cx="10972440" cy="1896840"/>
           </a:xfrm>
           <a:prstGeom prst="rect">
             <a:avLst/>
@@ -113,18 +111,15 @@
             <a:normAutofit/>
           </a:bodyPr>
           <a:p>
-            <a:endParaRPr b="0" lang="en-US" sz="2800" spc="-1" strike="noStrike">
-              <a:solidFill>
-                <a:srgbClr val="000000"/>
-              </a:solidFill>
-              <a:latin typeface="Calibri"/>
-            </a:endParaRPr>
-          </a:p>
-        </p:txBody>
-      </p:sp>
-      <p:sp>
-        <p:nvSpPr>
-          <p:cNvPr id="28" name="PlaceHolder 3"/>
+            <a:endParaRPr b="0" lang="en-US" sz="3200" spc="-1" strike="noStrike">
+              <a:latin typeface="Arial"/>
+            </a:endParaRPr>
+          </a:p>
+        </p:txBody>
+      </p:sp>
+      <p:sp>
+        <p:nvSpPr>
+          <p:cNvPr id="25" name="PlaceHolder 3"/>
           <p:cNvSpPr>
             <a:spLocks noGrp="1"/>
           </p:cNvSpPr>
@@ -134,8 +129,8 @@
         </p:nvSpPr>
         <p:spPr>
           <a:xfrm>
-            <a:off x="838080" y="4098240"/>
-            <a:ext cx="10515240" cy="2075040"/>
+            <a:off x="609480" y="3682080"/>
+            <a:ext cx="10972440" cy="1896840"/>
           </a:xfrm>
           <a:prstGeom prst="rect">
             <a:avLst/>
@@ -146,11 +141,8 @@
             <a:normAutofit/>
           </a:bodyPr>
           <a:p>
-            <a:endParaRPr b="0" lang="en-US" sz="2800" spc="-1" strike="noStrike">
-              <a:solidFill>
-                <a:srgbClr val="000000"/>
-              </a:solidFill>
-              <a:latin typeface="Calibri"/>
+            <a:endParaRPr b="0" lang="en-US" sz="3200" spc="-1" strike="noStrike">
+              <a:latin typeface="Arial"/>
             </a:endParaRPr>
           </a:p>
         </p:txBody>
@@ -179,7 +171,7 @@
       </p:grpSpPr>
       <p:sp>
         <p:nvSpPr>
-          <p:cNvPr id="29" name="PlaceHolder 1"/>
+          <p:cNvPr id="26" name="PlaceHolder 1"/>
           <p:cNvSpPr>
             <a:spLocks noGrp="1"/>
           </p:cNvSpPr>
@@ -189,8 +181,8 @@
         </p:nvSpPr>
         <p:spPr>
           <a:xfrm>
-            <a:off x="838080" y="365040"/>
-            <a:ext cx="10515240" cy="1325160"/>
+            <a:off x="609480" y="273600"/>
+            <a:ext cx="10972440" cy="1144800"/>
           </a:xfrm>
           <a:prstGeom prst="rect">
             <a:avLst/>
@@ -201,18 +193,16 @@
             <a:noAutofit/>
           </a:bodyPr>
           <a:p>
-            <a:endParaRPr b="0" lang="en-US" sz="1800" spc="-1" strike="noStrike">
-              <a:solidFill>
-                <a:srgbClr val="000000"/>
-              </a:solidFill>
-              <a:latin typeface="Calibri"/>
-            </a:endParaRPr>
-          </a:p>
-        </p:txBody>
-      </p:sp>
-      <p:sp>
-        <p:nvSpPr>
-          <p:cNvPr id="30" name="PlaceHolder 2"/>
+            <a:pPr algn="ctr"/>
+            <a:endParaRPr b="0" lang="en-US" sz="4400" spc="-1" strike="noStrike">
+              <a:latin typeface="Arial"/>
+            </a:endParaRPr>
+          </a:p>
+        </p:txBody>
+      </p:sp>
+      <p:sp>
+        <p:nvSpPr>
+          <p:cNvPr id="27" name="PlaceHolder 2"/>
           <p:cNvSpPr>
             <a:spLocks noGrp="1"/>
           </p:cNvSpPr>
@@ -222,8 +212,8 @@
         </p:nvSpPr>
         <p:spPr>
           <a:xfrm>
-            <a:off x="838080" y="1825560"/>
-            <a:ext cx="5131080" cy="2075040"/>
+            <a:off x="609480" y="1604520"/>
+            <a:ext cx="5354280" cy="1896840"/>
           </a:xfrm>
           <a:prstGeom prst="rect">
             <a:avLst/>
@@ -234,18 +224,15 @@
             <a:normAutofit/>
           </a:bodyPr>
           <a:p>
-            <a:endParaRPr b="0" lang="en-US" sz="2800" spc="-1" strike="noStrike">
-              <a:solidFill>
-                <a:srgbClr val="000000"/>
-              </a:solidFill>
-              <a:latin typeface="Calibri"/>
-            </a:endParaRPr>
-          </a:p>
-        </p:txBody>
-      </p:sp>
-      <p:sp>
-        <p:nvSpPr>
-          <p:cNvPr id="31" name="PlaceHolder 3"/>
+            <a:endParaRPr b="0" lang="en-US" sz="3200" spc="-1" strike="noStrike">
+              <a:latin typeface="Arial"/>
+            </a:endParaRPr>
+          </a:p>
+        </p:txBody>
+      </p:sp>
+      <p:sp>
+        <p:nvSpPr>
+          <p:cNvPr id="28" name="PlaceHolder 3"/>
           <p:cNvSpPr>
             <a:spLocks noGrp="1"/>
           </p:cNvSpPr>
@@ -255,8 +242,8 @@
         </p:nvSpPr>
         <p:spPr>
           <a:xfrm>
-            <a:off x="6226200" y="1825560"/>
-            <a:ext cx="5131080" cy="2075040"/>
+            <a:off x="6231960" y="1604520"/>
+            <a:ext cx="5354280" cy="1896840"/>
           </a:xfrm>
           <a:prstGeom prst="rect">
             <a:avLst/>
@@ -267,18 +254,15 @@
             <a:normAutofit/>
           </a:bodyPr>
           <a:p>
-            <a:endParaRPr b="0" lang="en-US" sz="2800" spc="-1" strike="noStrike">
-              <a:solidFill>
-                <a:srgbClr val="000000"/>
-              </a:solidFill>
-              <a:latin typeface="Calibri"/>
-            </a:endParaRPr>
-          </a:p>
-        </p:txBody>
-      </p:sp>
-      <p:sp>
-        <p:nvSpPr>
-          <p:cNvPr id="32" name="PlaceHolder 4"/>
+            <a:endParaRPr b="0" lang="en-US" sz="3200" spc="-1" strike="noStrike">
+              <a:latin typeface="Arial"/>
+            </a:endParaRPr>
+          </a:p>
+        </p:txBody>
+      </p:sp>
+      <p:sp>
+        <p:nvSpPr>
+          <p:cNvPr id="29" name="PlaceHolder 4"/>
           <p:cNvSpPr>
             <a:spLocks noGrp="1"/>
           </p:cNvSpPr>
@@ -288,8 +272,8 @@
         </p:nvSpPr>
         <p:spPr>
           <a:xfrm>
-            <a:off x="838080" y="4098240"/>
-            <a:ext cx="5131080" cy="2075040"/>
+            <a:off x="609480" y="3682080"/>
+            <a:ext cx="5354280" cy="1896840"/>
           </a:xfrm>
           <a:prstGeom prst="rect">
             <a:avLst/>
@@ -300,18 +284,15 @@
             <a:normAutofit/>
           </a:bodyPr>
           <a:p>
-            <a:endParaRPr b="0" lang="en-US" sz="2800" spc="-1" strike="noStrike">
-              <a:solidFill>
-                <a:srgbClr val="000000"/>
-              </a:solidFill>
-              <a:latin typeface="Calibri"/>
-            </a:endParaRPr>
-          </a:p>
-        </p:txBody>
-      </p:sp>
-      <p:sp>
-        <p:nvSpPr>
-          <p:cNvPr id="33" name="PlaceHolder 5"/>
+            <a:endParaRPr b="0" lang="en-US" sz="3200" spc="-1" strike="noStrike">
+              <a:latin typeface="Arial"/>
+            </a:endParaRPr>
+          </a:p>
+        </p:txBody>
+      </p:sp>
+      <p:sp>
+        <p:nvSpPr>
+          <p:cNvPr id="30" name="PlaceHolder 5"/>
           <p:cNvSpPr>
             <a:spLocks noGrp="1"/>
           </p:cNvSpPr>
@@ -321,8 +302,8 @@
         </p:nvSpPr>
         <p:spPr>
           <a:xfrm>
-            <a:off x="6226200" y="4098240"/>
-            <a:ext cx="5131080" cy="2075040"/>
+            <a:off x="6231960" y="3682080"/>
+            <a:ext cx="5354280" cy="1896840"/>
           </a:xfrm>
           <a:prstGeom prst="rect">
             <a:avLst/>
@@ -333,11 +314,8 @@
             <a:normAutofit/>
           </a:bodyPr>
           <a:p>
-            <a:endParaRPr b="0" lang="en-US" sz="2800" spc="-1" strike="noStrike">
-              <a:solidFill>
-                <a:srgbClr val="000000"/>
-              </a:solidFill>
-              <a:latin typeface="Calibri"/>
+            <a:endParaRPr b="0" lang="en-US" sz="3200" spc="-1" strike="noStrike">
+              <a:latin typeface="Arial"/>
             </a:endParaRPr>
           </a:p>
         </p:txBody>
@@ -366,7 +344,7 @@
       </p:grpSpPr>
       <p:sp>
         <p:nvSpPr>
-          <p:cNvPr id="34" name="PlaceHolder 1"/>
+          <p:cNvPr id="31" name="PlaceHolder 1"/>
           <p:cNvSpPr>
             <a:spLocks noGrp="1"/>
           </p:cNvSpPr>
@@ -376,8 +354,8 @@
         </p:nvSpPr>
         <p:spPr>
           <a:xfrm>
-            <a:off x="838080" y="365040"/>
-            <a:ext cx="10515240" cy="1325160"/>
+            <a:off x="609480" y="273600"/>
+            <a:ext cx="10972440" cy="1144800"/>
           </a:xfrm>
           <a:prstGeom prst="rect">
             <a:avLst/>
@@ -388,18 +366,16 @@
             <a:noAutofit/>
           </a:bodyPr>
           <a:p>
-            <a:endParaRPr b="0" lang="en-US" sz="1800" spc="-1" strike="noStrike">
-              <a:solidFill>
-                <a:srgbClr val="000000"/>
-              </a:solidFill>
-              <a:latin typeface="Calibri"/>
-            </a:endParaRPr>
-          </a:p>
-        </p:txBody>
-      </p:sp>
-      <p:sp>
-        <p:nvSpPr>
-          <p:cNvPr id="35" name="PlaceHolder 2"/>
+            <a:pPr algn="ctr"/>
+            <a:endParaRPr b="0" lang="en-US" sz="4400" spc="-1" strike="noStrike">
+              <a:latin typeface="Arial"/>
+            </a:endParaRPr>
+          </a:p>
+        </p:txBody>
+      </p:sp>
+      <p:sp>
+        <p:nvSpPr>
+          <p:cNvPr id="32" name="PlaceHolder 2"/>
           <p:cNvSpPr>
             <a:spLocks noGrp="1"/>
           </p:cNvSpPr>
@@ -409,8 +385,8 @@
         </p:nvSpPr>
         <p:spPr>
           <a:xfrm>
-            <a:off x="838080" y="1825560"/>
-            <a:ext cx="3385800" cy="2075040"/>
+            <a:off x="609480" y="1604520"/>
+            <a:ext cx="3533040" cy="1896840"/>
           </a:xfrm>
           <a:prstGeom prst="rect">
             <a:avLst/>
@@ -421,18 +397,15 @@
             <a:normAutofit/>
           </a:bodyPr>
           <a:p>
-            <a:endParaRPr b="0" lang="en-US" sz="2800" spc="-1" strike="noStrike">
-              <a:solidFill>
-                <a:srgbClr val="000000"/>
-              </a:solidFill>
-              <a:latin typeface="Calibri"/>
-            </a:endParaRPr>
-          </a:p>
-        </p:txBody>
-      </p:sp>
-      <p:sp>
-        <p:nvSpPr>
-          <p:cNvPr id="36" name="PlaceHolder 3"/>
+            <a:endParaRPr b="0" lang="en-US" sz="3200" spc="-1" strike="noStrike">
+              <a:latin typeface="Arial"/>
+            </a:endParaRPr>
+          </a:p>
+        </p:txBody>
+      </p:sp>
+      <p:sp>
+        <p:nvSpPr>
+          <p:cNvPr id="33" name="PlaceHolder 3"/>
           <p:cNvSpPr>
             <a:spLocks noGrp="1"/>
           </p:cNvSpPr>
@@ -442,8 +415,8 @@
         </p:nvSpPr>
         <p:spPr>
           <a:xfrm>
-            <a:off x="4393440" y="1825560"/>
-            <a:ext cx="3385800" cy="2075040"/>
+            <a:off x="4319640" y="1604520"/>
+            <a:ext cx="3533040" cy="1896840"/>
           </a:xfrm>
           <a:prstGeom prst="rect">
             <a:avLst/>
@@ -454,18 +427,15 @@
             <a:normAutofit/>
           </a:bodyPr>
           <a:p>
-            <a:endParaRPr b="0" lang="en-US" sz="2800" spc="-1" strike="noStrike">
-              <a:solidFill>
-                <a:srgbClr val="000000"/>
-              </a:solidFill>
-              <a:latin typeface="Calibri"/>
-            </a:endParaRPr>
-          </a:p>
-        </p:txBody>
-      </p:sp>
-      <p:sp>
-        <p:nvSpPr>
-          <p:cNvPr id="37" name="PlaceHolder 4"/>
+            <a:endParaRPr b="0" lang="en-US" sz="3200" spc="-1" strike="noStrike">
+              <a:latin typeface="Arial"/>
+            </a:endParaRPr>
+          </a:p>
+        </p:txBody>
+      </p:sp>
+      <p:sp>
+        <p:nvSpPr>
+          <p:cNvPr id="34" name="PlaceHolder 4"/>
           <p:cNvSpPr>
             <a:spLocks noGrp="1"/>
           </p:cNvSpPr>
@@ -475,8 +445,8 @@
         </p:nvSpPr>
         <p:spPr>
           <a:xfrm>
-            <a:off x="7949160" y="1825560"/>
-            <a:ext cx="3385800" cy="2075040"/>
+            <a:off x="8029800" y="1604520"/>
+            <a:ext cx="3533040" cy="1896840"/>
           </a:xfrm>
           <a:prstGeom prst="rect">
             <a:avLst/>
@@ -487,18 +457,15 @@
             <a:normAutofit/>
           </a:bodyPr>
           <a:p>
-            <a:endParaRPr b="0" lang="en-US" sz="2800" spc="-1" strike="noStrike">
-              <a:solidFill>
-                <a:srgbClr val="000000"/>
-              </a:solidFill>
-              <a:latin typeface="Calibri"/>
-            </a:endParaRPr>
-          </a:p>
-        </p:txBody>
-      </p:sp>
-      <p:sp>
-        <p:nvSpPr>
-          <p:cNvPr id="38" name="PlaceHolder 5"/>
+            <a:endParaRPr b="0" lang="en-US" sz="3200" spc="-1" strike="noStrike">
+              <a:latin typeface="Arial"/>
+            </a:endParaRPr>
+          </a:p>
+        </p:txBody>
+      </p:sp>
+      <p:sp>
+        <p:nvSpPr>
+          <p:cNvPr id="35" name="PlaceHolder 5"/>
           <p:cNvSpPr>
             <a:spLocks noGrp="1"/>
           </p:cNvSpPr>
@@ -508,8 +475,8 @@
         </p:nvSpPr>
         <p:spPr>
           <a:xfrm>
-            <a:off x="838080" y="4098240"/>
-            <a:ext cx="3385800" cy="2075040"/>
+            <a:off x="609480" y="3682080"/>
+            <a:ext cx="3533040" cy="1896840"/>
           </a:xfrm>
           <a:prstGeom prst="rect">
             <a:avLst/>
@@ -520,18 +487,15 @@
             <a:normAutofit/>
           </a:bodyPr>
           <a:p>
-            <a:endParaRPr b="0" lang="en-US" sz="2800" spc="-1" strike="noStrike">
-              <a:solidFill>
-                <a:srgbClr val="000000"/>
-              </a:solidFill>
-              <a:latin typeface="Calibri"/>
-            </a:endParaRPr>
-          </a:p>
-        </p:txBody>
-      </p:sp>
-      <p:sp>
-        <p:nvSpPr>
-          <p:cNvPr id="39" name="PlaceHolder 6"/>
+            <a:endParaRPr b="0" lang="en-US" sz="3200" spc="-1" strike="noStrike">
+              <a:latin typeface="Arial"/>
+            </a:endParaRPr>
+          </a:p>
+        </p:txBody>
+      </p:sp>
+      <p:sp>
+        <p:nvSpPr>
+          <p:cNvPr id="36" name="PlaceHolder 6"/>
           <p:cNvSpPr>
             <a:spLocks noGrp="1"/>
           </p:cNvSpPr>
@@ -541,8 +505,8 @@
         </p:nvSpPr>
         <p:spPr>
           <a:xfrm>
-            <a:off x="4393440" y="4098240"/>
-            <a:ext cx="3385800" cy="2075040"/>
+            <a:off x="4319640" y="3682080"/>
+            <a:ext cx="3533040" cy="1896840"/>
           </a:xfrm>
           <a:prstGeom prst="rect">
             <a:avLst/>
@@ -553,18 +517,15 @@
             <a:normAutofit/>
           </a:bodyPr>
           <a:p>
-            <a:endParaRPr b="0" lang="en-US" sz="2800" spc="-1" strike="noStrike">
-              <a:solidFill>
-                <a:srgbClr val="000000"/>
-              </a:solidFill>
-              <a:latin typeface="Calibri"/>
-            </a:endParaRPr>
-          </a:p>
-        </p:txBody>
-      </p:sp>
-      <p:sp>
-        <p:nvSpPr>
-          <p:cNvPr id="40" name="PlaceHolder 7"/>
+            <a:endParaRPr b="0" lang="en-US" sz="3200" spc="-1" strike="noStrike">
+              <a:latin typeface="Arial"/>
+            </a:endParaRPr>
+          </a:p>
+        </p:txBody>
+      </p:sp>
+      <p:sp>
+        <p:nvSpPr>
+          <p:cNvPr id="37" name="PlaceHolder 7"/>
           <p:cNvSpPr>
             <a:spLocks noGrp="1"/>
           </p:cNvSpPr>
@@ -574,8 +535,8 @@
         </p:nvSpPr>
         <p:spPr>
           <a:xfrm>
-            <a:off x="7949160" y="4098240"/>
-            <a:ext cx="3385800" cy="2075040"/>
+            <a:off x="8029800" y="3682080"/>
+            <a:ext cx="3533040" cy="1896840"/>
           </a:xfrm>
           <a:prstGeom prst="rect">
             <a:avLst/>
@@ -586,11 +547,8 @@
             <a:normAutofit/>
           </a:bodyPr>
           <a:p>
-            <a:endParaRPr b="0" lang="en-US" sz="2800" spc="-1" strike="noStrike">
-              <a:solidFill>
-                <a:srgbClr val="000000"/>
-              </a:solidFill>
-              <a:latin typeface="Calibri"/>
+            <a:endParaRPr b="0" lang="en-US" sz="3200" spc="-1" strike="noStrike">
+              <a:latin typeface="Arial"/>
             </a:endParaRPr>
           </a:p>
         </p:txBody>
@@ -641,7 +599,7 @@
       </p:grpSpPr>
       <p:sp>
         <p:nvSpPr>
-          <p:cNvPr id="46" name="PlaceHolder 1"/>
+          <p:cNvPr id="40" name="PlaceHolder 1"/>
           <p:cNvSpPr>
             <a:spLocks noGrp="1"/>
           </p:cNvSpPr>
@@ -651,8 +609,8 @@
         </p:nvSpPr>
         <p:spPr>
           <a:xfrm>
-            <a:off x="838080" y="365040"/>
-            <a:ext cx="10515240" cy="1325160"/>
+            <a:off x="609480" y="273600"/>
+            <a:ext cx="10972440" cy="1144800"/>
           </a:xfrm>
           <a:prstGeom prst="rect">
             <a:avLst/>
@@ -663,18 +621,16 @@
             <a:noAutofit/>
           </a:bodyPr>
           <a:p>
-            <a:endParaRPr b="0" lang="en-US" sz="1800" spc="-1" strike="noStrike">
-              <a:solidFill>
-                <a:srgbClr val="000000"/>
-              </a:solidFill>
-              <a:latin typeface="Calibri"/>
-            </a:endParaRPr>
-          </a:p>
-        </p:txBody>
-      </p:sp>
-      <p:sp>
-        <p:nvSpPr>
-          <p:cNvPr id="47" name="PlaceHolder 2"/>
+            <a:pPr algn="ctr"/>
+            <a:endParaRPr b="0" lang="en-US" sz="4400" spc="-1" strike="noStrike">
+              <a:latin typeface="Arial"/>
+            </a:endParaRPr>
+          </a:p>
+        </p:txBody>
+      </p:sp>
+      <p:sp>
+        <p:nvSpPr>
+          <p:cNvPr id="41" name="PlaceHolder 2"/>
           <p:cNvSpPr>
             <a:spLocks noGrp="1"/>
           </p:cNvSpPr>
@@ -684,8 +640,8 @@
         </p:nvSpPr>
         <p:spPr>
           <a:xfrm>
-            <a:off x="838080" y="1825560"/>
-            <a:ext cx="10515240" cy="4350960"/>
+            <a:off x="609480" y="1604520"/>
+            <a:ext cx="10972440" cy="3977280"/>
           </a:xfrm>
           <a:prstGeom prst="rect">
             <a:avLst/>
@@ -727,7 +683,7 @@
       </p:grpSpPr>
       <p:sp>
         <p:nvSpPr>
-          <p:cNvPr id="48" name="PlaceHolder 1"/>
+          <p:cNvPr id="42" name="PlaceHolder 1"/>
           <p:cNvSpPr>
             <a:spLocks noGrp="1"/>
           </p:cNvSpPr>
@@ -737,8 +693,8 @@
         </p:nvSpPr>
         <p:spPr>
           <a:xfrm>
-            <a:off x="838080" y="365040"/>
-            <a:ext cx="10515240" cy="1325160"/>
+            <a:off x="609480" y="273600"/>
+            <a:ext cx="10972440" cy="1144800"/>
           </a:xfrm>
           <a:prstGeom prst="rect">
             <a:avLst/>
@@ -749,18 +705,16 @@
             <a:noAutofit/>
           </a:bodyPr>
           <a:p>
-            <a:endParaRPr b="0" lang="en-US" sz="1800" spc="-1" strike="noStrike">
-              <a:solidFill>
-                <a:srgbClr val="000000"/>
-              </a:solidFill>
-              <a:latin typeface="Calibri"/>
-            </a:endParaRPr>
-          </a:p>
-        </p:txBody>
-      </p:sp>
-      <p:sp>
-        <p:nvSpPr>
-          <p:cNvPr id="49" name="PlaceHolder 2"/>
+            <a:pPr algn="ctr"/>
+            <a:endParaRPr b="0" lang="en-US" sz="4400" spc="-1" strike="noStrike">
+              <a:latin typeface="Arial"/>
+            </a:endParaRPr>
+          </a:p>
+        </p:txBody>
+      </p:sp>
+      <p:sp>
+        <p:nvSpPr>
+          <p:cNvPr id="43" name="PlaceHolder 2"/>
           <p:cNvSpPr>
             <a:spLocks noGrp="1"/>
           </p:cNvSpPr>
@@ -770,8 +724,8 @@
         </p:nvSpPr>
         <p:spPr>
           <a:xfrm>
-            <a:off x="838080" y="1825560"/>
-            <a:ext cx="10515240" cy="4350960"/>
+            <a:off x="609480" y="1604520"/>
+            <a:ext cx="10972440" cy="3977280"/>
           </a:xfrm>
           <a:prstGeom prst="rect">
             <a:avLst/>
@@ -782,11 +736,8 @@
             <a:normAutofit/>
           </a:bodyPr>
           <a:p>
-            <a:endParaRPr b="0" lang="en-US" sz="2800" spc="-1" strike="noStrike">
-              <a:solidFill>
-                <a:srgbClr val="000000"/>
-              </a:solidFill>
-              <a:latin typeface="Calibri"/>
+            <a:endParaRPr b="0" lang="en-US" sz="3200" spc="-1" strike="noStrike">
+              <a:latin typeface="Arial"/>
             </a:endParaRPr>
           </a:p>
         </p:txBody>
@@ -815,7 +766,7 @@
       </p:grpSpPr>
       <p:sp>
         <p:nvSpPr>
-          <p:cNvPr id="50" name="PlaceHolder 1"/>
+          <p:cNvPr id="44" name="PlaceHolder 1"/>
           <p:cNvSpPr>
             <a:spLocks noGrp="1"/>
           </p:cNvSpPr>
@@ -825,8 +776,8 @@
         </p:nvSpPr>
         <p:spPr>
           <a:xfrm>
-            <a:off x="838080" y="365040"/>
-            <a:ext cx="10515240" cy="1325160"/>
+            <a:off x="609480" y="273600"/>
+            <a:ext cx="10972440" cy="1144800"/>
           </a:xfrm>
           <a:prstGeom prst="rect">
             <a:avLst/>
@@ -837,18 +788,16 @@
             <a:noAutofit/>
           </a:bodyPr>
           <a:p>
-            <a:endParaRPr b="0" lang="en-US" sz="1800" spc="-1" strike="noStrike">
-              <a:solidFill>
-                <a:srgbClr val="000000"/>
-              </a:solidFill>
-              <a:latin typeface="Calibri"/>
-            </a:endParaRPr>
-          </a:p>
-        </p:txBody>
-      </p:sp>
-      <p:sp>
-        <p:nvSpPr>
-          <p:cNvPr id="51" name="PlaceHolder 2"/>
+            <a:pPr algn="ctr"/>
+            <a:endParaRPr b="0" lang="en-US" sz="4400" spc="-1" strike="noStrike">
+              <a:latin typeface="Arial"/>
+            </a:endParaRPr>
+          </a:p>
+        </p:txBody>
+      </p:sp>
+      <p:sp>
+        <p:nvSpPr>
+          <p:cNvPr id="45" name="PlaceHolder 2"/>
           <p:cNvSpPr>
             <a:spLocks noGrp="1"/>
           </p:cNvSpPr>
@@ -858,8 +807,8 @@
         </p:nvSpPr>
         <p:spPr>
           <a:xfrm>
-            <a:off x="838080" y="1825560"/>
-            <a:ext cx="5131080" cy="4350960"/>
+            <a:off x="609480" y="1604520"/>
+            <a:ext cx="5354280" cy="3977280"/>
           </a:xfrm>
           <a:prstGeom prst="rect">
             <a:avLst/>
@@ -870,18 +819,15 @@
             <a:normAutofit/>
           </a:bodyPr>
           <a:p>
-            <a:endParaRPr b="0" lang="en-US" sz="2800" spc="-1" strike="noStrike">
-              <a:solidFill>
-                <a:srgbClr val="000000"/>
-              </a:solidFill>
-              <a:latin typeface="Calibri"/>
-            </a:endParaRPr>
-          </a:p>
-        </p:txBody>
-      </p:sp>
-      <p:sp>
-        <p:nvSpPr>
-          <p:cNvPr id="52" name="PlaceHolder 3"/>
+            <a:endParaRPr b="0" lang="en-US" sz="3200" spc="-1" strike="noStrike">
+              <a:latin typeface="Arial"/>
+            </a:endParaRPr>
+          </a:p>
+        </p:txBody>
+      </p:sp>
+      <p:sp>
+        <p:nvSpPr>
+          <p:cNvPr id="46" name="PlaceHolder 3"/>
           <p:cNvSpPr>
             <a:spLocks noGrp="1"/>
           </p:cNvSpPr>
@@ -891,8 +837,8 @@
         </p:nvSpPr>
         <p:spPr>
           <a:xfrm>
-            <a:off x="6226200" y="1825560"/>
-            <a:ext cx="5131080" cy="4350960"/>
+            <a:off x="6231960" y="1604520"/>
+            <a:ext cx="5354280" cy="3977280"/>
           </a:xfrm>
           <a:prstGeom prst="rect">
             <a:avLst/>
@@ -903,11 +849,8 @@
             <a:normAutofit/>
           </a:bodyPr>
           <a:p>
-            <a:endParaRPr b="0" lang="en-US" sz="2800" spc="-1" strike="noStrike">
-              <a:solidFill>
-                <a:srgbClr val="000000"/>
-              </a:solidFill>
-              <a:latin typeface="Calibri"/>
+            <a:endParaRPr b="0" lang="en-US" sz="3200" spc="-1" strike="noStrike">
+              <a:latin typeface="Arial"/>
             </a:endParaRPr>
           </a:p>
         </p:txBody>
@@ -936,7 +879,7 @@
       </p:grpSpPr>
       <p:sp>
         <p:nvSpPr>
-          <p:cNvPr id="53" name="PlaceHolder 1"/>
+          <p:cNvPr id="47" name="PlaceHolder 1"/>
           <p:cNvSpPr>
             <a:spLocks noGrp="1"/>
           </p:cNvSpPr>
@@ -946,8 +889,8 @@
         </p:nvSpPr>
         <p:spPr>
           <a:xfrm>
-            <a:off x="838080" y="365040"/>
-            <a:ext cx="10515240" cy="1325160"/>
+            <a:off x="609480" y="273600"/>
+            <a:ext cx="10972440" cy="1144800"/>
           </a:xfrm>
           <a:prstGeom prst="rect">
             <a:avLst/>
@@ -958,11 +901,9 @@
             <a:noAutofit/>
           </a:bodyPr>
           <a:p>
-            <a:endParaRPr b="0" lang="en-US" sz="1800" spc="-1" strike="noStrike">
-              <a:solidFill>
-                <a:srgbClr val="000000"/>
-              </a:solidFill>
-              <a:latin typeface="Calibri"/>
+            <a:pPr algn="ctr"/>
+            <a:endParaRPr b="0" lang="en-US" sz="4400" spc="-1" strike="noStrike">
+              <a:latin typeface="Arial"/>
             </a:endParaRPr>
           </a:p>
         </p:txBody>
@@ -991,7 +932,7 @@
       </p:grpSpPr>
       <p:sp>
         <p:nvSpPr>
-          <p:cNvPr id="54" name="PlaceHolder 1"/>
+          <p:cNvPr id="48" name="PlaceHolder 1"/>
           <p:cNvSpPr>
             <a:spLocks noGrp="1"/>
           </p:cNvSpPr>
@@ -1001,8 +942,8 @@
         </p:nvSpPr>
         <p:spPr>
           <a:xfrm>
-            <a:off x="838080" y="365040"/>
-            <a:ext cx="10515240" cy="6144120"/>
+            <a:off x="609480" y="273600"/>
+            <a:ext cx="10972440" cy="5307840"/>
           </a:xfrm>
           <a:prstGeom prst="rect">
             <a:avLst/>
@@ -1044,7 +985,7 @@
       </p:grpSpPr>
       <p:sp>
         <p:nvSpPr>
-          <p:cNvPr id="55" name="PlaceHolder 1"/>
+          <p:cNvPr id="49" name="PlaceHolder 1"/>
           <p:cNvSpPr>
             <a:spLocks noGrp="1"/>
           </p:cNvSpPr>
@@ -1054,8 +995,8 @@
         </p:nvSpPr>
         <p:spPr>
           <a:xfrm>
-            <a:off x="838080" y="365040"/>
-            <a:ext cx="10515240" cy="1325160"/>
+            <a:off x="609480" y="273600"/>
+            <a:ext cx="10972440" cy="1144800"/>
           </a:xfrm>
           <a:prstGeom prst="rect">
             <a:avLst/>
@@ -1066,18 +1007,16 @@
             <a:noAutofit/>
           </a:bodyPr>
           <a:p>
-            <a:endParaRPr b="0" lang="en-US" sz="1800" spc="-1" strike="noStrike">
-              <a:solidFill>
-                <a:srgbClr val="000000"/>
-              </a:solidFill>
-              <a:latin typeface="Calibri"/>
-            </a:endParaRPr>
-          </a:p>
-        </p:txBody>
-      </p:sp>
-      <p:sp>
-        <p:nvSpPr>
-          <p:cNvPr id="56" name="PlaceHolder 2"/>
+            <a:pPr algn="ctr"/>
+            <a:endParaRPr b="0" lang="en-US" sz="4400" spc="-1" strike="noStrike">
+              <a:latin typeface="Arial"/>
+            </a:endParaRPr>
+          </a:p>
+        </p:txBody>
+      </p:sp>
+      <p:sp>
+        <p:nvSpPr>
+          <p:cNvPr id="50" name="PlaceHolder 2"/>
           <p:cNvSpPr>
             <a:spLocks noGrp="1"/>
           </p:cNvSpPr>
@@ -1087,8 +1026,8 @@
         </p:nvSpPr>
         <p:spPr>
           <a:xfrm>
-            <a:off x="838080" y="1825560"/>
-            <a:ext cx="5131080" cy="2075040"/>
+            <a:off x="609480" y="1604520"/>
+            <a:ext cx="5354280" cy="1896840"/>
           </a:xfrm>
           <a:prstGeom prst="rect">
             <a:avLst/>
@@ -1099,18 +1038,15 @@
             <a:normAutofit/>
           </a:bodyPr>
           <a:p>
-            <a:endParaRPr b="0" lang="en-US" sz="2800" spc="-1" strike="noStrike">
-              <a:solidFill>
-                <a:srgbClr val="000000"/>
-              </a:solidFill>
-              <a:latin typeface="Calibri"/>
-            </a:endParaRPr>
-          </a:p>
-        </p:txBody>
-      </p:sp>
-      <p:sp>
-        <p:nvSpPr>
-          <p:cNvPr id="57" name="PlaceHolder 3"/>
+            <a:endParaRPr b="0" lang="en-US" sz="3200" spc="-1" strike="noStrike">
+              <a:latin typeface="Arial"/>
+            </a:endParaRPr>
+          </a:p>
+        </p:txBody>
+      </p:sp>
+      <p:sp>
+        <p:nvSpPr>
+          <p:cNvPr id="51" name="PlaceHolder 3"/>
           <p:cNvSpPr>
             <a:spLocks noGrp="1"/>
           </p:cNvSpPr>
@@ -1120,8 +1056,8 @@
         </p:nvSpPr>
         <p:spPr>
           <a:xfrm>
-            <a:off x="6226200" y="1825560"/>
-            <a:ext cx="5131080" cy="4350960"/>
+            <a:off x="6231960" y="1604520"/>
+            <a:ext cx="5354280" cy="3977280"/>
           </a:xfrm>
           <a:prstGeom prst="rect">
             <a:avLst/>
@@ -1132,18 +1068,15 @@
             <a:normAutofit/>
           </a:bodyPr>
           <a:p>
-            <a:endParaRPr b="0" lang="en-US" sz="2800" spc="-1" strike="noStrike">
-              <a:solidFill>
-                <a:srgbClr val="000000"/>
-              </a:solidFill>
-              <a:latin typeface="Calibri"/>
-            </a:endParaRPr>
-          </a:p>
-        </p:txBody>
-      </p:sp>
-      <p:sp>
-        <p:nvSpPr>
-          <p:cNvPr id="58" name="PlaceHolder 4"/>
+            <a:endParaRPr b="0" lang="en-US" sz="3200" spc="-1" strike="noStrike">
+              <a:latin typeface="Arial"/>
+            </a:endParaRPr>
+          </a:p>
+        </p:txBody>
+      </p:sp>
+      <p:sp>
+        <p:nvSpPr>
+          <p:cNvPr id="52" name="PlaceHolder 4"/>
           <p:cNvSpPr>
             <a:spLocks noGrp="1"/>
           </p:cNvSpPr>
@@ -1153,8 +1086,8 @@
         </p:nvSpPr>
         <p:spPr>
           <a:xfrm>
-            <a:off x="838080" y="4098240"/>
-            <a:ext cx="5131080" cy="2075040"/>
+            <a:off x="609480" y="3682080"/>
+            <a:ext cx="5354280" cy="1896840"/>
           </a:xfrm>
           <a:prstGeom prst="rect">
             <a:avLst/>
@@ -1165,11 +1098,8 @@
             <a:normAutofit/>
           </a:bodyPr>
           <a:p>
-            <a:endParaRPr b="0" lang="en-US" sz="2800" spc="-1" strike="noStrike">
-              <a:solidFill>
-                <a:srgbClr val="000000"/>
-              </a:solidFill>
-              <a:latin typeface="Calibri"/>
+            <a:endParaRPr b="0" lang="en-US" sz="3200" spc="-1" strike="noStrike">
+              <a:latin typeface="Arial"/>
             </a:endParaRPr>
           </a:p>
         </p:txBody>
@@ -1198,7 +1128,7 @@
       </p:grpSpPr>
       <p:sp>
         <p:nvSpPr>
-          <p:cNvPr id="5" name="PlaceHolder 1"/>
+          <p:cNvPr id="2" name="PlaceHolder 1"/>
           <p:cNvSpPr>
             <a:spLocks noGrp="1"/>
           </p:cNvSpPr>
@@ -1208,8 +1138,8 @@
         </p:nvSpPr>
         <p:spPr>
           <a:xfrm>
-            <a:off x="838080" y="365040"/>
-            <a:ext cx="10515240" cy="1325160"/>
+            <a:off x="609480" y="273600"/>
+            <a:ext cx="10972440" cy="1144800"/>
           </a:xfrm>
           <a:prstGeom prst="rect">
             <a:avLst/>
@@ -1220,18 +1150,16 @@
             <a:noAutofit/>
           </a:bodyPr>
           <a:p>
-            <a:endParaRPr b="0" lang="en-US" sz="1800" spc="-1" strike="noStrike">
-              <a:solidFill>
-                <a:srgbClr val="000000"/>
-              </a:solidFill>
-              <a:latin typeface="Calibri"/>
-            </a:endParaRPr>
-          </a:p>
-        </p:txBody>
-      </p:sp>
-      <p:sp>
-        <p:nvSpPr>
-          <p:cNvPr id="6" name="PlaceHolder 2"/>
+            <a:pPr algn="ctr"/>
+            <a:endParaRPr b="0" lang="en-US" sz="4400" spc="-1" strike="noStrike">
+              <a:latin typeface="Arial"/>
+            </a:endParaRPr>
+          </a:p>
+        </p:txBody>
+      </p:sp>
+      <p:sp>
+        <p:nvSpPr>
+          <p:cNvPr id="3" name="PlaceHolder 2"/>
           <p:cNvSpPr>
             <a:spLocks noGrp="1"/>
           </p:cNvSpPr>
@@ -1241,8 +1169,8 @@
         </p:nvSpPr>
         <p:spPr>
           <a:xfrm>
-            <a:off x="838080" y="1825560"/>
-            <a:ext cx="10515240" cy="4350960"/>
+            <a:off x="609480" y="1604520"/>
+            <a:ext cx="10972440" cy="3977280"/>
           </a:xfrm>
           <a:prstGeom prst="rect">
             <a:avLst/>
@@ -1284,7 +1212,7 @@
       </p:grpSpPr>
       <p:sp>
         <p:nvSpPr>
-          <p:cNvPr id="59" name="PlaceHolder 1"/>
+          <p:cNvPr id="53" name="PlaceHolder 1"/>
           <p:cNvSpPr>
             <a:spLocks noGrp="1"/>
           </p:cNvSpPr>
@@ -1294,8 +1222,8 @@
         </p:nvSpPr>
         <p:spPr>
           <a:xfrm>
-            <a:off x="838080" y="365040"/>
-            <a:ext cx="10515240" cy="1325160"/>
+            <a:off x="609480" y="273600"/>
+            <a:ext cx="10972440" cy="1144800"/>
           </a:xfrm>
           <a:prstGeom prst="rect">
             <a:avLst/>
@@ -1306,18 +1234,16 @@
             <a:noAutofit/>
           </a:bodyPr>
           <a:p>
-            <a:endParaRPr b="0" lang="en-US" sz="1800" spc="-1" strike="noStrike">
-              <a:solidFill>
-                <a:srgbClr val="000000"/>
-              </a:solidFill>
-              <a:latin typeface="Calibri"/>
-            </a:endParaRPr>
-          </a:p>
-        </p:txBody>
-      </p:sp>
-      <p:sp>
-        <p:nvSpPr>
-          <p:cNvPr id="60" name="PlaceHolder 2"/>
+            <a:pPr algn="ctr"/>
+            <a:endParaRPr b="0" lang="en-US" sz="4400" spc="-1" strike="noStrike">
+              <a:latin typeface="Arial"/>
+            </a:endParaRPr>
+          </a:p>
+        </p:txBody>
+      </p:sp>
+      <p:sp>
+        <p:nvSpPr>
+          <p:cNvPr id="54" name="PlaceHolder 2"/>
           <p:cNvSpPr>
             <a:spLocks noGrp="1"/>
           </p:cNvSpPr>
@@ -1327,8 +1253,8 @@
         </p:nvSpPr>
         <p:spPr>
           <a:xfrm>
-            <a:off x="838080" y="1825560"/>
-            <a:ext cx="5131080" cy="4350960"/>
+            <a:off x="609480" y="1604520"/>
+            <a:ext cx="5354280" cy="3977280"/>
           </a:xfrm>
           <a:prstGeom prst="rect">
             <a:avLst/>
@@ -1339,18 +1265,15 @@
             <a:normAutofit/>
           </a:bodyPr>
           <a:p>
-            <a:endParaRPr b="0" lang="en-US" sz="2800" spc="-1" strike="noStrike">
-              <a:solidFill>
-                <a:srgbClr val="000000"/>
-              </a:solidFill>
-              <a:latin typeface="Calibri"/>
-            </a:endParaRPr>
-          </a:p>
-        </p:txBody>
-      </p:sp>
-      <p:sp>
-        <p:nvSpPr>
-          <p:cNvPr id="61" name="PlaceHolder 3"/>
+            <a:endParaRPr b="0" lang="en-US" sz="3200" spc="-1" strike="noStrike">
+              <a:latin typeface="Arial"/>
+            </a:endParaRPr>
+          </a:p>
+        </p:txBody>
+      </p:sp>
+      <p:sp>
+        <p:nvSpPr>
+          <p:cNvPr id="55" name="PlaceHolder 3"/>
           <p:cNvSpPr>
             <a:spLocks noGrp="1"/>
           </p:cNvSpPr>
@@ -1360,8 +1283,8 @@
         </p:nvSpPr>
         <p:spPr>
           <a:xfrm>
-            <a:off x="6226200" y="1825560"/>
-            <a:ext cx="5131080" cy="2075040"/>
+            <a:off x="6231960" y="1604520"/>
+            <a:ext cx="5354280" cy="1896840"/>
           </a:xfrm>
           <a:prstGeom prst="rect">
             <a:avLst/>
@@ -1372,18 +1295,15 @@
             <a:normAutofit/>
           </a:bodyPr>
           <a:p>
-            <a:endParaRPr b="0" lang="en-US" sz="2800" spc="-1" strike="noStrike">
-              <a:solidFill>
-                <a:srgbClr val="000000"/>
-              </a:solidFill>
-              <a:latin typeface="Calibri"/>
-            </a:endParaRPr>
-          </a:p>
-        </p:txBody>
-      </p:sp>
-      <p:sp>
-        <p:nvSpPr>
-          <p:cNvPr id="62" name="PlaceHolder 4"/>
+            <a:endParaRPr b="0" lang="en-US" sz="3200" spc="-1" strike="noStrike">
+              <a:latin typeface="Arial"/>
+            </a:endParaRPr>
+          </a:p>
+        </p:txBody>
+      </p:sp>
+      <p:sp>
+        <p:nvSpPr>
+          <p:cNvPr id="56" name="PlaceHolder 4"/>
           <p:cNvSpPr>
             <a:spLocks noGrp="1"/>
           </p:cNvSpPr>
@@ -1393,8 +1313,8 @@
         </p:nvSpPr>
         <p:spPr>
           <a:xfrm>
-            <a:off x="6226200" y="4098240"/>
-            <a:ext cx="5131080" cy="2075040"/>
+            <a:off x="6231960" y="3682080"/>
+            <a:ext cx="5354280" cy="1896840"/>
           </a:xfrm>
           <a:prstGeom prst="rect">
             <a:avLst/>
@@ -1405,11 +1325,8 @@
             <a:normAutofit/>
           </a:bodyPr>
           <a:p>
-            <a:endParaRPr b="0" lang="en-US" sz="2800" spc="-1" strike="noStrike">
-              <a:solidFill>
-                <a:srgbClr val="000000"/>
-              </a:solidFill>
-              <a:latin typeface="Calibri"/>
+            <a:endParaRPr b="0" lang="en-US" sz="3200" spc="-1" strike="noStrike">
+              <a:latin typeface="Arial"/>
             </a:endParaRPr>
           </a:p>
         </p:txBody>
@@ -1438,7 +1355,7 @@
       </p:grpSpPr>
       <p:sp>
         <p:nvSpPr>
-          <p:cNvPr id="63" name="PlaceHolder 1"/>
+          <p:cNvPr id="57" name="PlaceHolder 1"/>
           <p:cNvSpPr>
             <a:spLocks noGrp="1"/>
           </p:cNvSpPr>
@@ -1448,8 +1365,8 @@
         </p:nvSpPr>
         <p:spPr>
           <a:xfrm>
-            <a:off x="838080" y="365040"/>
-            <a:ext cx="10515240" cy="1325160"/>
+            <a:off x="609480" y="273600"/>
+            <a:ext cx="10972440" cy="1144800"/>
           </a:xfrm>
           <a:prstGeom prst="rect">
             <a:avLst/>
@@ -1460,18 +1377,16 @@
             <a:noAutofit/>
           </a:bodyPr>
           <a:p>
-            <a:endParaRPr b="0" lang="en-US" sz="1800" spc="-1" strike="noStrike">
-              <a:solidFill>
-                <a:srgbClr val="000000"/>
-              </a:solidFill>
-              <a:latin typeface="Calibri"/>
-            </a:endParaRPr>
-          </a:p>
-        </p:txBody>
-      </p:sp>
-      <p:sp>
-        <p:nvSpPr>
-          <p:cNvPr id="64" name="PlaceHolder 2"/>
+            <a:pPr algn="ctr"/>
+            <a:endParaRPr b="0" lang="en-US" sz="4400" spc="-1" strike="noStrike">
+              <a:latin typeface="Arial"/>
+            </a:endParaRPr>
+          </a:p>
+        </p:txBody>
+      </p:sp>
+      <p:sp>
+        <p:nvSpPr>
+          <p:cNvPr id="58" name="PlaceHolder 2"/>
           <p:cNvSpPr>
             <a:spLocks noGrp="1"/>
           </p:cNvSpPr>
@@ -1481,8 +1396,8 @@
         </p:nvSpPr>
         <p:spPr>
           <a:xfrm>
-            <a:off x="838080" y="1825560"/>
-            <a:ext cx="5131080" cy="2075040"/>
+            <a:off x="609480" y="1604520"/>
+            <a:ext cx="5354280" cy="1896840"/>
           </a:xfrm>
           <a:prstGeom prst="rect">
             <a:avLst/>
@@ -1493,18 +1408,15 @@
             <a:normAutofit/>
           </a:bodyPr>
           <a:p>
-            <a:endParaRPr b="0" lang="en-US" sz="2800" spc="-1" strike="noStrike">
-              <a:solidFill>
-                <a:srgbClr val="000000"/>
-              </a:solidFill>
-              <a:latin typeface="Calibri"/>
-            </a:endParaRPr>
-          </a:p>
-        </p:txBody>
-      </p:sp>
-      <p:sp>
-        <p:nvSpPr>
-          <p:cNvPr id="65" name="PlaceHolder 3"/>
+            <a:endParaRPr b="0" lang="en-US" sz="3200" spc="-1" strike="noStrike">
+              <a:latin typeface="Arial"/>
+            </a:endParaRPr>
+          </a:p>
+        </p:txBody>
+      </p:sp>
+      <p:sp>
+        <p:nvSpPr>
+          <p:cNvPr id="59" name="PlaceHolder 3"/>
           <p:cNvSpPr>
             <a:spLocks noGrp="1"/>
           </p:cNvSpPr>
@@ -1514,8 +1426,8 @@
         </p:nvSpPr>
         <p:spPr>
           <a:xfrm>
-            <a:off x="6226200" y="1825560"/>
-            <a:ext cx="5131080" cy="2075040"/>
+            <a:off x="6231960" y="1604520"/>
+            <a:ext cx="5354280" cy="1896840"/>
           </a:xfrm>
           <a:prstGeom prst="rect">
             <a:avLst/>
@@ -1526,18 +1438,15 @@
             <a:normAutofit/>
           </a:bodyPr>
           <a:p>
-            <a:endParaRPr b="0" lang="en-US" sz="2800" spc="-1" strike="noStrike">
-              <a:solidFill>
-                <a:srgbClr val="000000"/>
-              </a:solidFill>
-              <a:latin typeface="Calibri"/>
-            </a:endParaRPr>
-          </a:p>
-        </p:txBody>
-      </p:sp>
-      <p:sp>
-        <p:nvSpPr>
-          <p:cNvPr id="66" name="PlaceHolder 4"/>
+            <a:endParaRPr b="0" lang="en-US" sz="3200" spc="-1" strike="noStrike">
+              <a:latin typeface="Arial"/>
+            </a:endParaRPr>
+          </a:p>
+        </p:txBody>
+      </p:sp>
+      <p:sp>
+        <p:nvSpPr>
+          <p:cNvPr id="60" name="PlaceHolder 4"/>
           <p:cNvSpPr>
             <a:spLocks noGrp="1"/>
           </p:cNvSpPr>
@@ -1547,8 +1456,8 @@
         </p:nvSpPr>
         <p:spPr>
           <a:xfrm>
-            <a:off x="838080" y="4098240"/>
-            <a:ext cx="10515240" cy="2075040"/>
+            <a:off x="609480" y="3682080"/>
+            <a:ext cx="10972440" cy="1896840"/>
           </a:xfrm>
           <a:prstGeom prst="rect">
             <a:avLst/>
@@ -1559,11 +1468,8 @@
             <a:normAutofit/>
           </a:bodyPr>
           <a:p>
-            <a:endParaRPr b="0" lang="en-US" sz="2800" spc="-1" strike="noStrike">
-              <a:solidFill>
-                <a:srgbClr val="000000"/>
-              </a:solidFill>
-              <a:latin typeface="Calibri"/>
+            <a:endParaRPr b="0" lang="en-US" sz="3200" spc="-1" strike="noStrike">
+              <a:latin typeface="Arial"/>
             </a:endParaRPr>
           </a:p>
         </p:txBody>
@@ -1592,7 +1498,7 @@
       </p:grpSpPr>
       <p:sp>
         <p:nvSpPr>
-          <p:cNvPr id="67" name="PlaceHolder 1"/>
+          <p:cNvPr id="61" name="PlaceHolder 1"/>
           <p:cNvSpPr>
             <a:spLocks noGrp="1"/>
           </p:cNvSpPr>
@@ -1602,8 +1508,8 @@
         </p:nvSpPr>
         <p:spPr>
           <a:xfrm>
-            <a:off x="838080" y="365040"/>
-            <a:ext cx="10515240" cy="1325160"/>
+            <a:off x="609480" y="273600"/>
+            <a:ext cx="10972440" cy="1144800"/>
           </a:xfrm>
           <a:prstGeom prst="rect">
             <a:avLst/>
@@ -1614,18 +1520,16 @@
             <a:noAutofit/>
           </a:bodyPr>
           <a:p>
-            <a:endParaRPr b="0" lang="en-US" sz="1800" spc="-1" strike="noStrike">
-              <a:solidFill>
-                <a:srgbClr val="000000"/>
-              </a:solidFill>
-              <a:latin typeface="Calibri"/>
-            </a:endParaRPr>
-          </a:p>
-        </p:txBody>
-      </p:sp>
-      <p:sp>
-        <p:nvSpPr>
-          <p:cNvPr id="68" name="PlaceHolder 2"/>
+            <a:pPr algn="ctr"/>
+            <a:endParaRPr b="0" lang="en-US" sz="4400" spc="-1" strike="noStrike">
+              <a:latin typeface="Arial"/>
+            </a:endParaRPr>
+          </a:p>
+        </p:txBody>
+      </p:sp>
+      <p:sp>
+        <p:nvSpPr>
+          <p:cNvPr id="62" name="PlaceHolder 2"/>
           <p:cNvSpPr>
             <a:spLocks noGrp="1"/>
           </p:cNvSpPr>
@@ -1635,8 +1539,8 @@
         </p:nvSpPr>
         <p:spPr>
           <a:xfrm>
-            <a:off x="838080" y="1825560"/>
-            <a:ext cx="10515240" cy="2075040"/>
+            <a:off x="609480" y="1604520"/>
+            <a:ext cx="10972440" cy="1896840"/>
           </a:xfrm>
           <a:prstGeom prst="rect">
             <a:avLst/>
@@ -1647,18 +1551,15 @@
             <a:normAutofit/>
           </a:bodyPr>
           <a:p>
-            <a:endParaRPr b="0" lang="en-US" sz="2800" spc="-1" strike="noStrike">
-              <a:solidFill>
-                <a:srgbClr val="000000"/>
-              </a:solidFill>
-              <a:latin typeface="Calibri"/>
-            </a:endParaRPr>
-          </a:p>
-        </p:txBody>
-      </p:sp>
-      <p:sp>
-        <p:nvSpPr>
-          <p:cNvPr id="69" name="PlaceHolder 3"/>
+            <a:endParaRPr b="0" lang="en-US" sz="3200" spc="-1" strike="noStrike">
+              <a:latin typeface="Arial"/>
+            </a:endParaRPr>
+          </a:p>
+        </p:txBody>
+      </p:sp>
+      <p:sp>
+        <p:nvSpPr>
+          <p:cNvPr id="63" name="PlaceHolder 3"/>
           <p:cNvSpPr>
             <a:spLocks noGrp="1"/>
           </p:cNvSpPr>
@@ -1668,8 +1569,8 @@
         </p:nvSpPr>
         <p:spPr>
           <a:xfrm>
-            <a:off x="838080" y="4098240"/>
-            <a:ext cx="10515240" cy="2075040"/>
+            <a:off x="609480" y="3682080"/>
+            <a:ext cx="10972440" cy="1896840"/>
           </a:xfrm>
           <a:prstGeom prst="rect">
             <a:avLst/>
@@ -1680,11 +1581,8 @@
             <a:normAutofit/>
           </a:bodyPr>
           <a:p>
-            <a:endParaRPr b="0" lang="en-US" sz="2800" spc="-1" strike="noStrike">
-              <a:solidFill>
-                <a:srgbClr val="000000"/>
-              </a:solidFill>
-              <a:latin typeface="Calibri"/>
+            <a:endParaRPr b="0" lang="en-US" sz="3200" spc="-1" strike="noStrike">
+              <a:latin typeface="Arial"/>
             </a:endParaRPr>
           </a:p>
         </p:txBody>
@@ -1713,7 +1611,7 @@
       </p:grpSpPr>
       <p:sp>
         <p:nvSpPr>
-          <p:cNvPr id="70" name="PlaceHolder 1"/>
+          <p:cNvPr id="64" name="PlaceHolder 1"/>
           <p:cNvSpPr>
             <a:spLocks noGrp="1"/>
           </p:cNvSpPr>
@@ -1723,8 +1621,8 @@
         </p:nvSpPr>
         <p:spPr>
           <a:xfrm>
-            <a:off x="838080" y="365040"/>
-            <a:ext cx="10515240" cy="1325160"/>
+            <a:off x="609480" y="273600"/>
+            <a:ext cx="10972440" cy="1144800"/>
           </a:xfrm>
           <a:prstGeom prst="rect">
             <a:avLst/>
@@ -1735,18 +1633,16 @@
             <a:noAutofit/>
           </a:bodyPr>
           <a:p>
-            <a:endParaRPr b="0" lang="en-US" sz="1800" spc="-1" strike="noStrike">
-              <a:solidFill>
-                <a:srgbClr val="000000"/>
-              </a:solidFill>
-              <a:latin typeface="Calibri"/>
-            </a:endParaRPr>
-          </a:p>
-        </p:txBody>
-      </p:sp>
-      <p:sp>
-        <p:nvSpPr>
-          <p:cNvPr id="71" name="PlaceHolder 2"/>
+            <a:pPr algn="ctr"/>
+            <a:endParaRPr b="0" lang="en-US" sz="4400" spc="-1" strike="noStrike">
+              <a:latin typeface="Arial"/>
+            </a:endParaRPr>
+          </a:p>
+        </p:txBody>
+      </p:sp>
+      <p:sp>
+        <p:nvSpPr>
+          <p:cNvPr id="65" name="PlaceHolder 2"/>
           <p:cNvSpPr>
             <a:spLocks noGrp="1"/>
           </p:cNvSpPr>
@@ -1756,8 +1652,8 @@
         </p:nvSpPr>
         <p:spPr>
           <a:xfrm>
-            <a:off x="838080" y="1825560"/>
-            <a:ext cx="5131080" cy="2075040"/>
+            <a:off x="609480" y="1604520"/>
+            <a:ext cx="5354280" cy="1896840"/>
           </a:xfrm>
           <a:prstGeom prst="rect">
             <a:avLst/>
@@ -1768,18 +1664,15 @@
             <a:normAutofit/>
           </a:bodyPr>
           <a:p>
-            <a:endParaRPr b="0" lang="en-US" sz="2800" spc="-1" strike="noStrike">
-              <a:solidFill>
-                <a:srgbClr val="000000"/>
-              </a:solidFill>
-              <a:latin typeface="Calibri"/>
-            </a:endParaRPr>
-          </a:p>
-        </p:txBody>
-      </p:sp>
-      <p:sp>
-        <p:nvSpPr>
-          <p:cNvPr id="72" name="PlaceHolder 3"/>
+            <a:endParaRPr b="0" lang="en-US" sz="3200" spc="-1" strike="noStrike">
+              <a:latin typeface="Arial"/>
+            </a:endParaRPr>
+          </a:p>
+        </p:txBody>
+      </p:sp>
+      <p:sp>
+        <p:nvSpPr>
+          <p:cNvPr id="66" name="PlaceHolder 3"/>
           <p:cNvSpPr>
             <a:spLocks noGrp="1"/>
           </p:cNvSpPr>
@@ -1789,8 +1682,8 @@
         </p:nvSpPr>
         <p:spPr>
           <a:xfrm>
-            <a:off x="6226200" y="1825560"/>
-            <a:ext cx="5131080" cy="2075040"/>
+            <a:off x="6231960" y="1604520"/>
+            <a:ext cx="5354280" cy="1896840"/>
           </a:xfrm>
           <a:prstGeom prst="rect">
             <a:avLst/>
@@ -1801,18 +1694,15 @@
             <a:normAutofit/>
           </a:bodyPr>
           <a:p>
-            <a:endParaRPr b="0" lang="en-US" sz="2800" spc="-1" strike="noStrike">
-              <a:solidFill>
-                <a:srgbClr val="000000"/>
-              </a:solidFill>
-              <a:latin typeface="Calibri"/>
-            </a:endParaRPr>
-          </a:p>
-        </p:txBody>
-      </p:sp>
-      <p:sp>
-        <p:nvSpPr>
-          <p:cNvPr id="73" name="PlaceHolder 4"/>
+            <a:endParaRPr b="0" lang="en-US" sz="3200" spc="-1" strike="noStrike">
+              <a:latin typeface="Arial"/>
+            </a:endParaRPr>
+          </a:p>
+        </p:txBody>
+      </p:sp>
+      <p:sp>
+        <p:nvSpPr>
+          <p:cNvPr id="67" name="PlaceHolder 4"/>
           <p:cNvSpPr>
             <a:spLocks noGrp="1"/>
           </p:cNvSpPr>
@@ -1822,8 +1712,8 @@
         </p:nvSpPr>
         <p:spPr>
           <a:xfrm>
-            <a:off x="838080" y="4098240"/>
-            <a:ext cx="5131080" cy="2075040"/>
+            <a:off x="609480" y="3682080"/>
+            <a:ext cx="5354280" cy="1896840"/>
           </a:xfrm>
           <a:prstGeom prst="rect">
             <a:avLst/>
@@ -1834,18 +1724,15 @@
             <a:normAutofit/>
           </a:bodyPr>
           <a:p>
-            <a:endParaRPr b="0" lang="en-US" sz="2800" spc="-1" strike="noStrike">
-              <a:solidFill>
-                <a:srgbClr val="000000"/>
-              </a:solidFill>
-              <a:latin typeface="Calibri"/>
-            </a:endParaRPr>
-          </a:p>
-        </p:txBody>
-      </p:sp>
-      <p:sp>
-        <p:nvSpPr>
-          <p:cNvPr id="74" name="PlaceHolder 5"/>
+            <a:endParaRPr b="0" lang="en-US" sz="3200" spc="-1" strike="noStrike">
+              <a:latin typeface="Arial"/>
+            </a:endParaRPr>
+          </a:p>
+        </p:txBody>
+      </p:sp>
+      <p:sp>
+        <p:nvSpPr>
+          <p:cNvPr id="68" name="PlaceHolder 5"/>
           <p:cNvSpPr>
             <a:spLocks noGrp="1"/>
           </p:cNvSpPr>
@@ -1855,8 +1742,8 @@
         </p:nvSpPr>
         <p:spPr>
           <a:xfrm>
-            <a:off x="6226200" y="4098240"/>
-            <a:ext cx="5131080" cy="2075040"/>
+            <a:off x="6231960" y="3682080"/>
+            <a:ext cx="5354280" cy="1896840"/>
           </a:xfrm>
           <a:prstGeom prst="rect">
             <a:avLst/>
@@ -1867,11 +1754,8 @@
             <a:normAutofit/>
           </a:bodyPr>
           <a:p>
-            <a:endParaRPr b="0" lang="en-US" sz="2800" spc="-1" strike="noStrike">
-              <a:solidFill>
-                <a:srgbClr val="000000"/>
-              </a:solidFill>
-              <a:latin typeface="Calibri"/>
+            <a:endParaRPr b="0" lang="en-US" sz="3200" spc="-1" strike="noStrike">
+              <a:latin typeface="Arial"/>
             </a:endParaRPr>
           </a:p>
         </p:txBody>
@@ -1900,7 +1784,7 @@
       </p:grpSpPr>
       <p:sp>
         <p:nvSpPr>
-          <p:cNvPr id="75" name="PlaceHolder 1"/>
+          <p:cNvPr id="69" name="PlaceHolder 1"/>
           <p:cNvSpPr>
             <a:spLocks noGrp="1"/>
           </p:cNvSpPr>
@@ -1910,8 +1794,8 @@
         </p:nvSpPr>
         <p:spPr>
           <a:xfrm>
-            <a:off x="838080" y="365040"/>
-            <a:ext cx="10515240" cy="1325160"/>
+            <a:off x="609480" y="273600"/>
+            <a:ext cx="10972440" cy="1144800"/>
           </a:xfrm>
           <a:prstGeom prst="rect">
             <a:avLst/>
@@ -1922,18 +1806,16 @@
             <a:noAutofit/>
           </a:bodyPr>
           <a:p>
-            <a:endParaRPr b="0" lang="en-US" sz="1800" spc="-1" strike="noStrike">
-              <a:solidFill>
-                <a:srgbClr val="000000"/>
-              </a:solidFill>
-              <a:latin typeface="Calibri"/>
-            </a:endParaRPr>
-          </a:p>
-        </p:txBody>
-      </p:sp>
-      <p:sp>
-        <p:nvSpPr>
-          <p:cNvPr id="76" name="PlaceHolder 2"/>
+            <a:pPr algn="ctr"/>
+            <a:endParaRPr b="0" lang="en-US" sz="4400" spc="-1" strike="noStrike">
+              <a:latin typeface="Arial"/>
+            </a:endParaRPr>
+          </a:p>
+        </p:txBody>
+      </p:sp>
+      <p:sp>
+        <p:nvSpPr>
+          <p:cNvPr id="70" name="PlaceHolder 2"/>
           <p:cNvSpPr>
             <a:spLocks noGrp="1"/>
           </p:cNvSpPr>
@@ -1943,8 +1825,8 @@
         </p:nvSpPr>
         <p:spPr>
           <a:xfrm>
-            <a:off x="838080" y="1825560"/>
-            <a:ext cx="3385800" cy="2075040"/>
+            <a:off x="609480" y="1604520"/>
+            <a:ext cx="3533040" cy="1896840"/>
           </a:xfrm>
           <a:prstGeom prst="rect">
             <a:avLst/>
@@ -1955,18 +1837,15 @@
             <a:normAutofit/>
           </a:bodyPr>
           <a:p>
-            <a:endParaRPr b="0" lang="en-US" sz="2800" spc="-1" strike="noStrike">
-              <a:solidFill>
-                <a:srgbClr val="000000"/>
-              </a:solidFill>
-              <a:latin typeface="Calibri"/>
-            </a:endParaRPr>
-          </a:p>
-        </p:txBody>
-      </p:sp>
-      <p:sp>
-        <p:nvSpPr>
-          <p:cNvPr id="77" name="PlaceHolder 3"/>
+            <a:endParaRPr b="0" lang="en-US" sz="3200" spc="-1" strike="noStrike">
+              <a:latin typeface="Arial"/>
+            </a:endParaRPr>
+          </a:p>
+        </p:txBody>
+      </p:sp>
+      <p:sp>
+        <p:nvSpPr>
+          <p:cNvPr id="71" name="PlaceHolder 3"/>
           <p:cNvSpPr>
             <a:spLocks noGrp="1"/>
           </p:cNvSpPr>
@@ -1976,8 +1855,8 @@
         </p:nvSpPr>
         <p:spPr>
           <a:xfrm>
-            <a:off x="4393440" y="1825560"/>
-            <a:ext cx="3385800" cy="2075040"/>
+            <a:off x="4319640" y="1604520"/>
+            <a:ext cx="3533040" cy="1896840"/>
           </a:xfrm>
           <a:prstGeom prst="rect">
             <a:avLst/>
@@ -1988,18 +1867,15 @@
             <a:normAutofit/>
           </a:bodyPr>
           <a:p>
-            <a:endParaRPr b="0" lang="en-US" sz="2800" spc="-1" strike="noStrike">
-              <a:solidFill>
-                <a:srgbClr val="000000"/>
-              </a:solidFill>
-              <a:latin typeface="Calibri"/>
-            </a:endParaRPr>
-          </a:p>
-        </p:txBody>
-      </p:sp>
-      <p:sp>
-        <p:nvSpPr>
-          <p:cNvPr id="78" name="PlaceHolder 4"/>
+            <a:endParaRPr b="0" lang="en-US" sz="3200" spc="-1" strike="noStrike">
+              <a:latin typeface="Arial"/>
+            </a:endParaRPr>
+          </a:p>
+        </p:txBody>
+      </p:sp>
+      <p:sp>
+        <p:nvSpPr>
+          <p:cNvPr id="72" name="PlaceHolder 4"/>
           <p:cNvSpPr>
             <a:spLocks noGrp="1"/>
           </p:cNvSpPr>
@@ -2009,8 +1885,8 @@
         </p:nvSpPr>
         <p:spPr>
           <a:xfrm>
-            <a:off x="7949160" y="1825560"/>
-            <a:ext cx="3385800" cy="2075040"/>
+            <a:off x="8029800" y="1604520"/>
+            <a:ext cx="3533040" cy="1896840"/>
           </a:xfrm>
           <a:prstGeom prst="rect">
             <a:avLst/>
@@ -2021,18 +1897,15 @@
             <a:normAutofit/>
           </a:bodyPr>
           <a:p>
-            <a:endParaRPr b="0" lang="en-US" sz="2800" spc="-1" strike="noStrike">
-              <a:solidFill>
-                <a:srgbClr val="000000"/>
-              </a:solidFill>
-              <a:latin typeface="Calibri"/>
-            </a:endParaRPr>
-          </a:p>
-        </p:txBody>
-      </p:sp>
-      <p:sp>
-        <p:nvSpPr>
-          <p:cNvPr id="79" name="PlaceHolder 5"/>
+            <a:endParaRPr b="0" lang="en-US" sz="3200" spc="-1" strike="noStrike">
+              <a:latin typeface="Arial"/>
+            </a:endParaRPr>
+          </a:p>
+        </p:txBody>
+      </p:sp>
+      <p:sp>
+        <p:nvSpPr>
+          <p:cNvPr id="73" name="PlaceHolder 5"/>
           <p:cNvSpPr>
             <a:spLocks noGrp="1"/>
           </p:cNvSpPr>
@@ -2042,8 +1915,8 @@
         </p:nvSpPr>
         <p:spPr>
           <a:xfrm>
-            <a:off x="838080" y="4098240"/>
-            <a:ext cx="3385800" cy="2075040"/>
+            <a:off x="609480" y="3682080"/>
+            <a:ext cx="3533040" cy="1896840"/>
           </a:xfrm>
           <a:prstGeom prst="rect">
             <a:avLst/>
@@ -2054,18 +1927,15 @@
             <a:normAutofit/>
           </a:bodyPr>
           <a:p>
-            <a:endParaRPr b="0" lang="en-US" sz="2800" spc="-1" strike="noStrike">
-              <a:solidFill>
-                <a:srgbClr val="000000"/>
-              </a:solidFill>
-              <a:latin typeface="Calibri"/>
-            </a:endParaRPr>
-          </a:p>
-        </p:txBody>
-      </p:sp>
-      <p:sp>
-        <p:nvSpPr>
-          <p:cNvPr id="80" name="PlaceHolder 6"/>
+            <a:endParaRPr b="0" lang="en-US" sz="3200" spc="-1" strike="noStrike">
+              <a:latin typeface="Arial"/>
+            </a:endParaRPr>
+          </a:p>
+        </p:txBody>
+      </p:sp>
+      <p:sp>
+        <p:nvSpPr>
+          <p:cNvPr id="74" name="PlaceHolder 6"/>
           <p:cNvSpPr>
             <a:spLocks noGrp="1"/>
           </p:cNvSpPr>
@@ -2075,8 +1945,8 @@
         </p:nvSpPr>
         <p:spPr>
           <a:xfrm>
-            <a:off x="4393440" y="4098240"/>
-            <a:ext cx="3385800" cy="2075040"/>
+            <a:off x="4319640" y="3682080"/>
+            <a:ext cx="3533040" cy="1896840"/>
           </a:xfrm>
           <a:prstGeom prst="rect">
             <a:avLst/>
@@ -2087,18 +1957,15 @@
             <a:normAutofit/>
           </a:bodyPr>
           <a:p>
-            <a:endParaRPr b="0" lang="en-US" sz="2800" spc="-1" strike="noStrike">
-              <a:solidFill>
-                <a:srgbClr val="000000"/>
-              </a:solidFill>
-              <a:latin typeface="Calibri"/>
-            </a:endParaRPr>
-          </a:p>
-        </p:txBody>
-      </p:sp>
-      <p:sp>
-        <p:nvSpPr>
-          <p:cNvPr id="81" name="PlaceHolder 7"/>
+            <a:endParaRPr b="0" lang="en-US" sz="3200" spc="-1" strike="noStrike">
+              <a:latin typeface="Arial"/>
+            </a:endParaRPr>
+          </a:p>
+        </p:txBody>
+      </p:sp>
+      <p:sp>
+        <p:nvSpPr>
+          <p:cNvPr id="75" name="PlaceHolder 7"/>
           <p:cNvSpPr>
             <a:spLocks noGrp="1"/>
           </p:cNvSpPr>
@@ -2108,8 +1975,8 @@
         </p:nvSpPr>
         <p:spPr>
           <a:xfrm>
-            <a:off x="7949160" y="4098240"/>
-            <a:ext cx="3385800" cy="2075040"/>
+            <a:off x="8029800" y="3682080"/>
+            <a:ext cx="3533040" cy="1896840"/>
           </a:xfrm>
           <a:prstGeom prst="rect">
             <a:avLst/>
@@ -2120,11 +1987,8 @@
             <a:normAutofit/>
           </a:bodyPr>
           <a:p>
-            <a:endParaRPr b="0" lang="en-US" sz="2800" spc="-1" strike="noStrike">
-              <a:solidFill>
-                <a:srgbClr val="000000"/>
-              </a:solidFill>
-              <a:latin typeface="Calibri"/>
+            <a:endParaRPr b="0" lang="en-US" sz="3200" spc="-1" strike="noStrike">
+              <a:latin typeface="Arial"/>
             </a:endParaRPr>
           </a:p>
         </p:txBody>
@@ -2153,7 +2017,7 @@
       </p:grpSpPr>
       <p:sp>
         <p:nvSpPr>
-          <p:cNvPr id="7" name="PlaceHolder 1"/>
+          <p:cNvPr id="4" name="PlaceHolder 1"/>
           <p:cNvSpPr>
             <a:spLocks noGrp="1"/>
           </p:cNvSpPr>
@@ -2163,8 +2027,8 @@
         </p:nvSpPr>
         <p:spPr>
           <a:xfrm>
-            <a:off x="838080" y="365040"/>
-            <a:ext cx="10515240" cy="1325160"/>
+            <a:off x="609480" y="273600"/>
+            <a:ext cx="10972440" cy="1144800"/>
           </a:xfrm>
           <a:prstGeom prst="rect">
             <a:avLst/>
@@ -2175,18 +2039,16 @@
             <a:noAutofit/>
           </a:bodyPr>
           <a:p>
-            <a:endParaRPr b="0" lang="en-US" sz="1800" spc="-1" strike="noStrike">
-              <a:solidFill>
-                <a:srgbClr val="000000"/>
-              </a:solidFill>
-              <a:latin typeface="Calibri"/>
-            </a:endParaRPr>
-          </a:p>
-        </p:txBody>
-      </p:sp>
-      <p:sp>
-        <p:nvSpPr>
-          <p:cNvPr id="8" name="PlaceHolder 2"/>
+            <a:pPr algn="ctr"/>
+            <a:endParaRPr b="0" lang="en-US" sz="4400" spc="-1" strike="noStrike">
+              <a:latin typeface="Arial"/>
+            </a:endParaRPr>
+          </a:p>
+        </p:txBody>
+      </p:sp>
+      <p:sp>
+        <p:nvSpPr>
+          <p:cNvPr id="5" name="PlaceHolder 2"/>
           <p:cNvSpPr>
             <a:spLocks noGrp="1"/>
           </p:cNvSpPr>
@@ -2196,8 +2058,8 @@
         </p:nvSpPr>
         <p:spPr>
           <a:xfrm>
-            <a:off x="838080" y="1825560"/>
-            <a:ext cx="10515240" cy="4350960"/>
+            <a:off x="609480" y="1604520"/>
+            <a:ext cx="10972440" cy="3977280"/>
           </a:xfrm>
           <a:prstGeom prst="rect">
             <a:avLst/>
@@ -2208,11 +2070,8 @@
             <a:normAutofit/>
           </a:bodyPr>
           <a:p>
-            <a:endParaRPr b="0" lang="en-US" sz="2800" spc="-1" strike="noStrike">
-              <a:solidFill>
-                <a:srgbClr val="000000"/>
-              </a:solidFill>
-              <a:latin typeface="Calibri"/>
+            <a:endParaRPr b="0" lang="en-US" sz="3200" spc="-1" strike="noStrike">
+              <a:latin typeface="Arial"/>
             </a:endParaRPr>
           </a:p>
         </p:txBody>
@@ -2241,7 +2100,7 @@
       </p:grpSpPr>
       <p:sp>
         <p:nvSpPr>
-          <p:cNvPr id="9" name="PlaceHolder 1"/>
+          <p:cNvPr id="6" name="PlaceHolder 1"/>
           <p:cNvSpPr>
             <a:spLocks noGrp="1"/>
           </p:cNvSpPr>
@@ -2251,8 +2110,8 @@
         </p:nvSpPr>
         <p:spPr>
           <a:xfrm>
-            <a:off x="838080" y="365040"/>
-            <a:ext cx="10515240" cy="1325160"/>
+            <a:off x="609480" y="273600"/>
+            <a:ext cx="10972440" cy="1144800"/>
           </a:xfrm>
           <a:prstGeom prst="rect">
             <a:avLst/>
@@ -2263,18 +2122,16 @@
             <a:noAutofit/>
           </a:bodyPr>
           <a:p>
-            <a:endParaRPr b="0" lang="en-US" sz="1800" spc="-1" strike="noStrike">
-              <a:solidFill>
-                <a:srgbClr val="000000"/>
-              </a:solidFill>
-              <a:latin typeface="Calibri"/>
-            </a:endParaRPr>
-          </a:p>
-        </p:txBody>
-      </p:sp>
-      <p:sp>
-        <p:nvSpPr>
-          <p:cNvPr id="10" name="PlaceHolder 2"/>
+            <a:pPr algn="ctr"/>
+            <a:endParaRPr b="0" lang="en-US" sz="4400" spc="-1" strike="noStrike">
+              <a:latin typeface="Arial"/>
+            </a:endParaRPr>
+          </a:p>
+        </p:txBody>
+      </p:sp>
+      <p:sp>
+        <p:nvSpPr>
+          <p:cNvPr id="7" name="PlaceHolder 2"/>
           <p:cNvSpPr>
             <a:spLocks noGrp="1"/>
           </p:cNvSpPr>
@@ -2284,8 +2141,8 @@
         </p:nvSpPr>
         <p:spPr>
           <a:xfrm>
-            <a:off x="838080" y="1825560"/>
-            <a:ext cx="5131080" cy="4350960"/>
+            <a:off x="609480" y="1604520"/>
+            <a:ext cx="5354280" cy="3977280"/>
           </a:xfrm>
           <a:prstGeom prst="rect">
             <a:avLst/>
@@ -2296,18 +2153,15 @@
             <a:normAutofit/>
           </a:bodyPr>
           <a:p>
-            <a:endParaRPr b="0" lang="en-US" sz="2800" spc="-1" strike="noStrike">
-              <a:solidFill>
-                <a:srgbClr val="000000"/>
-              </a:solidFill>
-              <a:latin typeface="Calibri"/>
-            </a:endParaRPr>
-          </a:p>
-        </p:txBody>
-      </p:sp>
-      <p:sp>
-        <p:nvSpPr>
-          <p:cNvPr id="11" name="PlaceHolder 3"/>
+            <a:endParaRPr b="0" lang="en-US" sz="3200" spc="-1" strike="noStrike">
+              <a:latin typeface="Arial"/>
+            </a:endParaRPr>
+          </a:p>
+        </p:txBody>
+      </p:sp>
+      <p:sp>
+        <p:nvSpPr>
+          <p:cNvPr id="8" name="PlaceHolder 3"/>
           <p:cNvSpPr>
             <a:spLocks noGrp="1"/>
           </p:cNvSpPr>
@@ -2317,8 +2171,8 @@
         </p:nvSpPr>
         <p:spPr>
           <a:xfrm>
-            <a:off x="6226200" y="1825560"/>
-            <a:ext cx="5131080" cy="4350960"/>
+            <a:off x="6231960" y="1604520"/>
+            <a:ext cx="5354280" cy="3977280"/>
           </a:xfrm>
           <a:prstGeom prst="rect">
             <a:avLst/>
@@ -2329,11 +2183,8 @@
             <a:normAutofit/>
           </a:bodyPr>
           <a:p>
-            <a:endParaRPr b="0" lang="en-US" sz="2800" spc="-1" strike="noStrike">
-              <a:solidFill>
-                <a:srgbClr val="000000"/>
-              </a:solidFill>
-              <a:latin typeface="Calibri"/>
+            <a:endParaRPr b="0" lang="en-US" sz="3200" spc="-1" strike="noStrike">
+              <a:latin typeface="Arial"/>
             </a:endParaRPr>
           </a:p>
         </p:txBody>
@@ -2362,7 +2213,7 @@
       </p:grpSpPr>
       <p:sp>
         <p:nvSpPr>
-          <p:cNvPr id="12" name="PlaceHolder 1"/>
+          <p:cNvPr id="9" name="PlaceHolder 1"/>
           <p:cNvSpPr>
             <a:spLocks noGrp="1"/>
           </p:cNvSpPr>
@@ -2372,8 +2223,8 @@
         </p:nvSpPr>
         <p:spPr>
           <a:xfrm>
-            <a:off x="838080" y="365040"/>
-            <a:ext cx="10515240" cy="1325160"/>
+            <a:off x="609480" y="273600"/>
+            <a:ext cx="10972440" cy="1144800"/>
           </a:xfrm>
           <a:prstGeom prst="rect">
             <a:avLst/>
@@ -2384,11 +2235,9 @@
             <a:noAutofit/>
           </a:bodyPr>
           <a:p>
-            <a:endParaRPr b="0" lang="en-US" sz="1800" spc="-1" strike="noStrike">
-              <a:solidFill>
-                <a:srgbClr val="000000"/>
-              </a:solidFill>
-              <a:latin typeface="Calibri"/>
+            <a:pPr algn="ctr"/>
+            <a:endParaRPr b="0" lang="en-US" sz="4400" spc="-1" strike="noStrike">
+              <a:latin typeface="Arial"/>
             </a:endParaRPr>
           </a:p>
         </p:txBody>
@@ -2417,7 +2266,7 @@
       </p:grpSpPr>
       <p:sp>
         <p:nvSpPr>
-          <p:cNvPr id="13" name="PlaceHolder 1"/>
+          <p:cNvPr id="10" name="PlaceHolder 1"/>
           <p:cNvSpPr>
             <a:spLocks noGrp="1"/>
           </p:cNvSpPr>
@@ -2427,8 +2276,8 @@
         </p:nvSpPr>
         <p:spPr>
           <a:xfrm>
-            <a:off x="838080" y="365040"/>
-            <a:ext cx="10515240" cy="6144120"/>
+            <a:off x="609480" y="273600"/>
+            <a:ext cx="10972440" cy="5307840"/>
           </a:xfrm>
           <a:prstGeom prst="rect">
             <a:avLst/>
@@ -2470,7 +2319,7 @@
       </p:grpSpPr>
       <p:sp>
         <p:nvSpPr>
-          <p:cNvPr id="14" name="PlaceHolder 1"/>
+          <p:cNvPr id="11" name="PlaceHolder 1"/>
           <p:cNvSpPr>
             <a:spLocks noGrp="1"/>
           </p:cNvSpPr>
@@ -2480,8 +2329,8 @@
         </p:nvSpPr>
         <p:spPr>
           <a:xfrm>
-            <a:off x="838080" y="365040"/>
-            <a:ext cx="10515240" cy="1325160"/>
+            <a:off x="609480" y="273600"/>
+            <a:ext cx="10972440" cy="1144800"/>
           </a:xfrm>
           <a:prstGeom prst="rect">
             <a:avLst/>
@@ -2492,18 +2341,16 @@
             <a:noAutofit/>
           </a:bodyPr>
           <a:p>
-            <a:endParaRPr b="0" lang="en-US" sz="1800" spc="-1" strike="noStrike">
-              <a:solidFill>
-                <a:srgbClr val="000000"/>
-              </a:solidFill>
-              <a:latin typeface="Calibri"/>
-            </a:endParaRPr>
-          </a:p>
-        </p:txBody>
-      </p:sp>
-      <p:sp>
-        <p:nvSpPr>
-          <p:cNvPr id="15" name="PlaceHolder 2"/>
+            <a:pPr algn="ctr"/>
+            <a:endParaRPr b="0" lang="en-US" sz="4400" spc="-1" strike="noStrike">
+              <a:latin typeface="Arial"/>
+            </a:endParaRPr>
+          </a:p>
+        </p:txBody>
+      </p:sp>
+      <p:sp>
+        <p:nvSpPr>
+          <p:cNvPr id="12" name="PlaceHolder 2"/>
           <p:cNvSpPr>
             <a:spLocks noGrp="1"/>
           </p:cNvSpPr>
@@ -2513,8 +2360,8 @@
         </p:nvSpPr>
         <p:spPr>
           <a:xfrm>
-            <a:off x="838080" y="1825560"/>
-            <a:ext cx="5131080" cy="2075040"/>
+            <a:off x="609480" y="1604520"/>
+            <a:ext cx="5354280" cy="1896840"/>
           </a:xfrm>
           <a:prstGeom prst="rect">
             <a:avLst/>
@@ -2525,18 +2372,15 @@
             <a:normAutofit/>
           </a:bodyPr>
           <a:p>
-            <a:endParaRPr b="0" lang="en-US" sz="2800" spc="-1" strike="noStrike">
-              <a:solidFill>
-                <a:srgbClr val="000000"/>
-              </a:solidFill>
-              <a:latin typeface="Calibri"/>
-            </a:endParaRPr>
-          </a:p>
-        </p:txBody>
-      </p:sp>
-      <p:sp>
-        <p:nvSpPr>
-          <p:cNvPr id="16" name="PlaceHolder 3"/>
+            <a:endParaRPr b="0" lang="en-US" sz="3200" spc="-1" strike="noStrike">
+              <a:latin typeface="Arial"/>
+            </a:endParaRPr>
+          </a:p>
+        </p:txBody>
+      </p:sp>
+      <p:sp>
+        <p:nvSpPr>
+          <p:cNvPr id="13" name="PlaceHolder 3"/>
           <p:cNvSpPr>
             <a:spLocks noGrp="1"/>
           </p:cNvSpPr>
@@ -2546,8 +2390,8 @@
         </p:nvSpPr>
         <p:spPr>
           <a:xfrm>
-            <a:off x="6226200" y="1825560"/>
-            <a:ext cx="5131080" cy="4350960"/>
+            <a:off x="6231960" y="1604520"/>
+            <a:ext cx="5354280" cy="3977280"/>
           </a:xfrm>
           <a:prstGeom prst="rect">
             <a:avLst/>
@@ -2558,18 +2402,15 @@
             <a:normAutofit/>
           </a:bodyPr>
           <a:p>
-            <a:endParaRPr b="0" lang="en-US" sz="2800" spc="-1" strike="noStrike">
-              <a:solidFill>
-                <a:srgbClr val="000000"/>
-              </a:solidFill>
-              <a:latin typeface="Calibri"/>
-            </a:endParaRPr>
-          </a:p>
-        </p:txBody>
-      </p:sp>
-      <p:sp>
-        <p:nvSpPr>
-          <p:cNvPr id="17" name="PlaceHolder 4"/>
+            <a:endParaRPr b="0" lang="en-US" sz="3200" spc="-1" strike="noStrike">
+              <a:latin typeface="Arial"/>
+            </a:endParaRPr>
+          </a:p>
+        </p:txBody>
+      </p:sp>
+      <p:sp>
+        <p:nvSpPr>
+          <p:cNvPr id="14" name="PlaceHolder 4"/>
           <p:cNvSpPr>
             <a:spLocks noGrp="1"/>
           </p:cNvSpPr>
@@ -2579,8 +2420,8 @@
         </p:nvSpPr>
         <p:spPr>
           <a:xfrm>
-            <a:off x="838080" y="4098240"/>
-            <a:ext cx="5131080" cy="2075040"/>
+            <a:off x="609480" y="3682080"/>
+            <a:ext cx="5354280" cy="1896840"/>
           </a:xfrm>
           <a:prstGeom prst="rect">
             <a:avLst/>
@@ -2591,11 +2432,8 @@
             <a:normAutofit/>
           </a:bodyPr>
           <a:p>
-            <a:endParaRPr b="0" lang="en-US" sz="2800" spc="-1" strike="noStrike">
-              <a:solidFill>
-                <a:srgbClr val="000000"/>
-              </a:solidFill>
-              <a:latin typeface="Calibri"/>
+            <a:endParaRPr b="0" lang="en-US" sz="3200" spc="-1" strike="noStrike">
+              <a:latin typeface="Arial"/>
             </a:endParaRPr>
           </a:p>
         </p:txBody>
@@ -2624,7 +2462,7 @@
       </p:grpSpPr>
       <p:sp>
         <p:nvSpPr>
-          <p:cNvPr id="18" name="PlaceHolder 1"/>
+          <p:cNvPr id="15" name="PlaceHolder 1"/>
           <p:cNvSpPr>
             <a:spLocks noGrp="1"/>
           </p:cNvSpPr>
@@ -2634,8 +2472,8 @@
         </p:nvSpPr>
         <p:spPr>
           <a:xfrm>
-            <a:off x="838080" y="365040"/>
-            <a:ext cx="10515240" cy="1325160"/>
+            <a:off x="609480" y="273600"/>
+            <a:ext cx="10972440" cy="1144800"/>
           </a:xfrm>
           <a:prstGeom prst="rect">
             <a:avLst/>
@@ -2646,18 +2484,16 @@
             <a:noAutofit/>
           </a:bodyPr>
           <a:p>
-            <a:endParaRPr b="0" lang="en-US" sz="1800" spc="-1" strike="noStrike">
-              <a:solidFill>
-                <a:srgbClr val="000000"/>
-              </a:solidFill>
-              <a:latin typeface="Calibri"/>
-            </a:endParaRPr>
-          </a:p>
-        </p:txBody>
-      </p:sp>
-      <p:sp>
-        <p:nvSpPr>
-          <p:cNvPr id="19" name="PlaceHolder 2"/>
+            <a:pPr algn="ctr"/>
+            <a:endParaRPr b="0" lang="en-US" sz="4400" spc="-1" strike="noStrike">
+              <a:latin typeface="Arial"/>
+            </a:endParaRPr>
+          </a:p>
+        </p:txBody>
+      </p:sp>
+      <p:sp>
+        <p:nvSpPr>
+          <p:cNvPr id="16" name="PlaceHolder 2"/>
           <p:cNvSpPr>
             <a:spLocks noGrp="1"/>
           </p:cNvSpPr>
@@ -2667,8 +2503,8 @@
         </p:nvSpPr>
         <p:spPr>
           <a:xfrm>
-            <a:off x="838080" y="1825560"/>
-            <a:ext cx="5131080" cy="4350960"/>
+            <a:off x="609480" y="1604520"/>
+            <a:ext cx="5354280" cy="3977280"/>
           </a:xfrm>
           <a:prstGeom prst="rect">
             <a:avLst/>
@@ -2679,18 +2515,15 @@
             <a:normAutofit/>
           </a:bodyPr>
           <a:p>
-            <a:endParaRPr b="0" lang="en-US" sz="2800" spc="-1" strike="noStrike">
-              <a:solidFill>
-                <a:srgbClr val="000000"/>
-              </a:solidFill>
-              <a:latin typeface="Calibri"/>
-            </a:endParaRPr>
-          </a:p>
-        </p:txBody>
-      </p:sp>
-      <p:sp>
-        <p:nvSpPr>
-          <p:cNvPr id="20" name="PlaceHolder 3"/>
+            <a:endParaRPr b="0" lang="en-US" sz="3200" spc="-1" strike="noStrike">
+              <a:latin typeface="Arial"/>
+            </a:endParaRPr>
+          </a:p>
+        </p:txBody>
+      </p:sp>
+      <p:sp>
+        <p:nvSpPr>
+          <p:cNvPr id="17" name="PlaceHolder 3"/>
           <p:cNvSpPr>
             <a:spLocks noGrp="1"/>
           </p:cNvSpPr>
@@ -2700,8 +2533,8 @@
         </p:nvSpPr>
         <p:spPr>
           <a:xfrm>
-            <a:off x="6226200" y="1825560"/>
-            <a:ext cx="5131080" cy="2075040"/>
+            <a:off x="6231960" y="1604520"/>
+            <a:ext cx="5354280" cy="1896840"/>
           </a:xfrm>
           <a:prstGeom prst="rect">
             <a:avLst/>
@@ -2712,18 +2545,15 @@
             <a:normAutofit/>
           </a:bodyPr>
           <a:p>
-            <a:endParaRPr b="0" lang="en-US" sz="2800" spc="-1" strike="noStrike">
-              <a:solidFill>
-                <a:srgbClr val="000000"/>
-              </a:solidFill>
-              <a:latin typeface="Calibri"/>
-            </a:endParaRPr>
-          </a:p>
-        </p:txBody>
-      </p:sp>
-      <p:sp>
-        <p:nvSpPr>
-          <p:cNvPr id="21" name="PlaceHolder 4"/>
+            <a:endParaRPr b="0" lang="en-US" sz="3200" spc="-1" strike="noStrike">
+              <a:latin typeface="Arial"/>
+            </a:endParaRPr>
+          </a:p>
+        </p:txBody>
+      </p:sp>
+      <p:sp>
+        <p:nvSpPr>
+          <p:cNvPr id="18" name="PlaceHolder 4"/>
           <p:cNvSpPr>
             <a:spLocks noGrp="1"/>
           </p:cNvSpPr>
@@ -2733,8 +2563,8 @@
         </p:nvSpPr>
         <p:spPr>
           <a:xfrm>
-            <a:off x="6226200" y="4098240"/>
-            <a:ext cx="5131080" cy="2075040"/>
+            <a:off x="6231960" y="3682080"/>
+            <a:ext cx="5354280" cy="1896840"/>
           </a:xfrm>
           <a:prstGeom prst="rect">
             <a:avLst/>
@@ -2745,11 +2575,8 @@
             <a:normAutofit/>
           </a:bodyPr>
           <a:p>
-            <a:endParaRPr b="0" lang="en-US" sz="2800" spc="-1" strike="noStrike">
-              <a:solidFill>
-                <a:srgbClr val="000000"/>
-              </a:solidFill>
-              <a:latin typeface="Calibri"/>
+            <a:endParaRPr b="0" lang="en-US" sz="3200" spc="-1" strike="noStrike">
+              <a:latin typeface="Arial"/>
             </a:endParaRPr>
           </a:p>
         </p:txBody>
@@ -2778,7 +2605,7 @@
       </p:grpSpPr>
       <p:sp>
         <p:nvSpPr>
-          <p:cNvPr id="22" name="PlaceHolder 1"/>
+          <p:cNvPr id="19" name="PlaceHolder 1"/>
           <p:cNvSpPr>
             <a:spLocks noGrp="1"/>
           </p:cNvSpPr>
@@ -2788,8 +2615,8 @@
         </p:nvSpPr>
         <p:spPr>
           <a:xfrm>
-            <a:off x="838080" y="365040"/>
-            <a:ext cx="10515240" cy="1325160"/>
+            <a:off x="609480" y="273600"/>
+            <a:ext cx="10972440" cy="1144800"/>
           </a:xfrm>
           <a:prstGeom prst="rect">
             <a:avLst/>
@@ -2800,18 +2627,16 @@
             <a:noAutofit/>
           </a:bodyPr>
           <a:p>
-            <a:endParaRPr b="0" lang="en-US" sz="1800" spc="-1" strike="noStrike">
-              <a:solidFill>
-                <a:srgbClr val="000000"/>
-              </a:solidFill>
-              <a:latin typeface="Calibri"/>
-            </a:endParaRPr>
-          </a:p>
-        </p:txBody>
-      </p:sp>
-      <p:sp>
-        <p:nvSpPr>
-          <p:cNvPr id="23" name="PlaceHolder 2"/>
+            <a:pPr algn="ctr"/>
+            <a:endParaRPr b="0" lang="en-US" sz="4400" spc="-1" strike="noStrike">
+              <a:latin typeface="Arial"/>
+            </a:endParaRPr>
+          </a:p>
+        </p:txBody>
+      </p:sp>
+      <p:sp>
+        <p:nvSpPr>
+          <p:cNvPr id="20" name="PlaceHolder 2"/>
           <p:cNvSpPr>
             <a:spLocks noGrp="1"/>
           </p:cNvSpPr>
@@ -2821,8 +2646,8 @@
         </p:nvSpPr>
         <p:spPr>
           <a:xfrm>
-            <a:off x="838080" y="1825560"/>
-            <a:ext cx="5131080" cy="2075040"/>
+            <a:off x="609480" y="1604520"/>
+            <a:ext cx="5354280" cy="1896840"/>
           </a:xfrm>
           <a:prstGeom prst="rect">
             <a:avLst/>
@@ -2833,18 +2658,15 @@
             <a:normAutofit/>
           </a:bodyPr>
           <a:p>
-            <a:endParaRPr b="0" lang="en-US" sz="2800" spc="-1" strike="noStrike">
-              <a:solidFill>
-                <a:srgbClr val="000000"/>
-              </a:solidFill>
-              <a:latin typeface="Calibri"/>
-            </a:endParaRPr>
-          </a:p>
-        </p:txBody>
-      </p:sp>
-      <p:sp>
-        <p:nvSpPr>
-          <p:cNvPr id="24" name="PlaceHolder 3"/>
+            <a:endParaRPr b="0" lang="en-US" sz="3200" spc="-1" strike="noStrike">
+              <a:latin typeface="Arial"/>
+            </a:endParaRPr>
+          </a:p>
+        </p:txBody>
+      </p:sp>
+      <p:sp>
+        <p:nvSpPr>
+          <p:cNvPr id="21" name="PlaceHolder 3"/>
           <p:cNvSpPr>
             <a:spLocks noGrp="1"/>
           </p:cNvSpPr>
@@ -2854,8 +2676,8 @@
         </p:nvSpPr>
         <p:spPr>
           <a:xfrm>
-            <a:off x="6226200" y="1825560"/>
-            <a:ext cx="5131080" cy="2075040"/>
+            <a:off x="6231960" y="1604520"/>
+            <a:ext cx="5354280" cy="1896840"/>
           </a:xfrm>
           <a:prstGeom prst="rect">
             <a:avLst/>
@@ -2866,18 +2688,15 @@
             <a:normAutofit/>
           </a:bodyPr>
           <a:p>
-            <a:endParaRPr b="0" lang="en-US" sz="2800" spc="-1" strike="noStrike">
-              <a:solidFill>
-                <a:srgbClr val="000000"/>
-              </a:solidFill>
-              <a:latin typeface="Calibri"/>
-            </a:endParaRPr>
-          </a:p>
-        </p:txBody>
-      </p:sp>
-      <p:sp>
-        <p:nvSpPr>
-          <p:cNvPr id="25" name="PlaceHolder 4"/>
+            <a:endParaRPr b="0" lang="en-US" sz="3200" spc="-1" strike="noStrike">
+              <a:latin typeface="Arial"/>
+            </a:endParaRPr>
+          </a:p>
+        </p:txBody>
+      </p:sp>
+      <p:sp>
+        <p:nvSpPr>
+          <p:cNvPr id="22" name="PlaceHolder 4"/>
           <p:cNvSpPr>
             <a:spLocks noGrp="1"/>
           </p:cNvSpPr>
@@ -2887,8 +2706,8 @@
         </p:nvSpPr>
         <p:spPr>
           <a:xfrm>
-            <a:off x="838080" y="4098240"/>
-            <a:ext cx="10515240" cy="2075040"/>
+            <a:off x="609480" y="3682080"/>
+            <a:ext cx="10972440" cy="1896840"/>
           </a:xfrm>
           <a:prstGeom prst="rect">
             <a:avLst/>
@@ -2899,11 +2718,8 @@
             <a:normAutofit/>
           </a:bodyPr>
           <a:p>
-            <a:endParaRPr b="0" lang="en-US" sz="2800" spc="-1" strike="noStrike">
-              <a:solidFill>
-                <a:srgbClr val="000000"/>
-              </a:solidFill>
-              <a:latin typeface="Calibri"/>
+            <a:endParaRPr b="0" lang="en-US" sz="3200" spc="-1" strike="noStrike">
+              <a:latin typeface="Arial"/>
             </a:endParaRPr>
           </a:p>
         </p:txBody>
@@ -2949,37 +2765,26 @@
         </p:nvSpPr>
         <p:spPr>
           <a:xfrm>
-            <a:off x="1523880" y="1122480"/>
-            <a:ext cx="9143640" cy="2387160"/>
-          </a:xfrm>
-          <a:prstGeom prst="rect">
-            <a:avLst/>
-          </a:prstGeom>
-        </p:spPr>
-        <p:txBody>
-          <a:bodyPr anchor="b">
+            <a:off x="838080" y="365040"/>
+            <a:ext cx="10514880" cy="1324800"/>
+          </a:xfrm>
+          <a:prstGeom prst="rect">
+            <a:avLst/>
+          </a:prstGeom>
+        </p:spPr>
+        <p:txBody>
+          <a:bodyPr lIns="0" rIns="0" tIns="0" bIns="0" anchor="ctr">
             <a:noAutofit/>
           </a:bodyPr>
           <a:p>
-            <a:pPr algn="ctr">
-              <a:lnSpc>
-                <a:spcPct val="90000"/>
-              </a:lnSpc>
-            </a:pPr>
-            <a:r>
-              <a:rPr b="0" lang="en-US" sz="6000" spc="-1" strike="noStrike">
-                <a:solidFill>
-                  <a:srgbClr val="000000"/>
-                </a:solidFill>
-                <a:latin typeface="Calibri Light"/>
-              </a:rPr>
-              <a:t>Click to edit Master title style</a:t>
-            </a:r>
-            <a:endParaRPr b="0" lang="en-US" sz="6000" spc="-1" strike="noStrike">
-              <a:solidFill>
-                <a:srgbClr val="000000"/>
-              </a:solidFill>
-              <a:latin typeface="Calibri"/>
+            <a:r>
+              <a:rPr b="0" lang="en-US" sz="1800" spc="-1" strike="noStrike">
+                <a:latin typeface="Arial"/>
+              </a:rPr>
+              <a:t>Click to edit the title text format</a:t>
+            </a:r>
+            <a:endParaRPr b="0" lang="en-US" sz="1800" spc="-1" strike="noStrike">
+              <a:latin typeface="Arial"/>
             </a:endParaRPr>
           </a:p>
         </p:txBody>
@@ -2987,124 +2792,6 @@
       <p:sp>
         <p:nvSpPr>
           <p:cNvPr id="1" name="PlaceHolder 2"/>
-          <p:cNvSpPr>
-            <a:spLocks noGrp="1"/>
-          </p:cNvSpPr>
-          <p:nvPr>
-            <p:ph type="dt"/>
-          </p:nvPr>
-        </p:nvSpPr>
-        <p:spPr>
-          <a:xfrm>
-            <a:off x="838080" y="6356520"/>
-            <a:ext cx="2742840" cy="364680"/>
-          </a:xfrm>
-          <a:prstGeom prst="rect">
-            <a:avLst/>
-          </a:prstGeom>
-        </p:spPr>
-        <p:txBody>
-          <a:bodyPr anchor="ctr">
-            <a:noAutofit/>
-          </a:bodyPr>
-          <a:p>
-            <a:pPr>
-              <a:lnSpc>
-                <a:spcPct val="100000"/>
-              </a:lnSpc>
-            </a:pPr>
-            <a:fld id="{C25CD0D4-9F6C-4FD2-9DB7-51DC0AB8129B}" type="datetime">
-              <a:rPr b="0" lang="en-US" sz="1200" spc="-1" strike="noStrike">
-                <a:solidFill>
-                  <a:srgbClr val="8b8b8b"/>
-                </a:solidFill>
-                <a:latin typeface="Calibri"/>
-              </a:rPr>
-              <a:t>4/21/21</a:t>
-            </a:fld>
-            <a:endParaRPr b="0" lang="en-US" sz="1200" spc="-1" strike="noStrike">
-              <a:latin typeface="Times New Roman"/>
-            </a:endParaRPr>
-          </a:p>
-        </p:txBody>
-      </p:sp>
-      <p:sp>
-        <p:nvSpPr>
-          <p:cNvPr id="2" name="PlaceHolder 3"/>
-          <p:cNvSpPr>
-            <a:spLocks noGrp="1"/>
-          </p:cNvSpPr>
-          <p:nvPr>
-            <p:ph type="ftr"/>
-          </p:nvPr>
-        </p:nvSpPr>
-        <p:spPr>
-          <a:xfrm>
-            <a:off x="4038480" y="6356520"/>
-            <a:ext cx="4114440" cy="364680"/>
-          </a:xfrm>
-          <a:prstGeom prst="rect">
-            <a:avLst/>
-          </a:prstGeom>
-        </p:spPr>
-        <p:txBody>
-          <a:bodyPr anchor="ctr">
-            <a:noAutofit/>
-          </a:bodyPr>
-          <a:p>
-            <a:endParaRPr b="0" lang="en-US" sz="2400" spc="-1" strike="noStrike">
-              <a:latin typeface="Times New Roman"/>
-            </a:endParaRPr>
-          </a:p>
-        </p:txBody>
-      </p:sp>
-      <p:sp>
-        <p:nvSpPr>
-          <p:cNvPr id="3" name="PlaceHolder 4"/>
-          <p:cNvSpPr>
-            <a:spLocks noGrp="1"/>
-          </p:cNvSpPr>
-          <p:nvPr>
-            <p:ph type="sldNum"/>
-          </p:nvPr>
-        </p:nvSpPr>
-        <p:spPr>
-          <a:xfrm>
-            <a:off x="8610480" y="6356520"/>
-            <a:ext cx="2742840" cy="364680"/>
-          </a:xfrm>
-          <a:prstGeom prst="rect">
-            <a:avLst/>
-          </a:prstGeom>
-        </p:spPr>
-        <p:txBody>
-          <a:bodyPr anchor="ctr">
-            <a:noAutofit/>
-          </a:bodyPr>
-          <a:p>
-            <a:pPr algn="r">
-              <a:lnSpc>
-                <a:spcPct val="100000"/>
-              </a:lnSpc>
-            </a:pPr>
-            <a:fld id="{00020764-C5C2-4AE6-BDC8-BA2E9FBC0864}" type="slidenum">
-              <a:rPr b="0" lang="en-US" sz="1200" spc="-1" strike="noStrike">
-                <a:solidFill>
-                  <a:srgbClr val="8b8b8b"/>
-                </a:solidFill>
-                <a:latin typeface="Calibri"/>
-              </a:rPr>
-              <a:t>1</a:t>
-            </a:fld>
-            <a:endParaRPr b="0" lang="en-US" sz="1200" spc="-1" strike="noStrike">
-              <a:latin typeface="Times New Roman"/>
-            </a:endParaRPr>
-          </a:p>
-        </p:txBody>
-      </p:sp>
-      <p:sp>
-        <p:nvSpPr>
-          <p:cNvPr id="4" name="PlaceHolder 5"/>
           <p:cNvSpPr>
             <a:spLocks noGrp="1"/>
           </p:cNvSpPr>
@@ -3138,19 +2825,13 @@
               <a:buChar char=""/>
             </a:pPr>
             <a:r>
-              <a:rPr b="0" lang="en-US" sz="2800" spc="-1" strike="noStrike">
-                <a:solidFill>
-                  <a:srgbClr val="000000"/>
-                </a:solidFill>
-                <a:latin typeface="Calibri"/>
+              <a:rPr b="0" lang="en-US" sz="3200" spc="-1" strike="noStrike">
+                <a:latin typeface="Arial"/>
               </a:rPr>
               <a:t>Click to edit the outline text format</a:t>
             </a:r>
-            <a:endParaRPr b="0" lang="en-US" sz="2800" spc="-1" strike="noStrike">
-              <a:solidFill>
-                <a:srgbClr val="000000"/>
-              </a:solidFill>
-              <a:latin typeface="Calibri"/>
+            <a:endParaRPr b="0" lang="en-US" sz="3200" spc="-1" strike="noStrike">
+              <a:latin typeface="Arial"/>
             </a:endParaRPr>
           </a:p>
           <a:p>
@@ -3166,19 +2847,13 @@
               <a:buChar char=""/>
             </a:pPr>
             <a:r>
-              <a:rPr b="0" lang="en-US" sz="2000" spc="-1" strike="noStrike">
-                <a:solidFill>
-                  <a:srgbClr val="000000"/>
-                </a:solidFill>
-                <a:latin typeface="Calibri"/>
+              <a:rPr b="0" lang="en-US" sz="2800" spc="-1" strike="noStrike">
+                <a:latin typeface="Arial"/>
               </a:rPr>
               <a:t>Second Outline Level</a:t>
             </a:r>
-            <a:endParaRPr b="0" lang="en-US" sz="2000" spc="-1" strike="noStrike">
-              <a:solidFill>
-                <a:srgbClr val="000000"/>
-              </a:solidFill>
-              <a:latin typeface="Calibri"/>
+            <a:endParaRPr b="0" lang="en-US" sz="2800" spc="-1" strike="noStrike">
+              <a:latin typeface="Arial"/>
             </a:endParaRPr>
           </a:p>
           <a:p>
@@ -3194,19 +2869,13 @@
               <a:buChar char=""/>
             </a:pPr>
             <a:r>
-              <a:rPr b="0" lang="en-US" sz="1800" spc="-1" strike="noStrike">
-                <a:solidFill>
-                  <a:srgbClr val="000000"/>
-                </a:solidFill>
-                <a:latin typeface="Calibri"/>
+              <a:rPr b="0" lang="en-US" sz="2400" spc="-1" strike="noStrike">
+                <a:latin typeface="Arial"/>
               </a:rPr>
               <a:t>Third Outline Level</a:t>
             </a:r>
-            <a:endParaRPr b="0" lang="en-US" sz="1800" spc="-1" strike="noStrike">
-              <a:solidFill>
-                <a:srgbClr val="000000"/>
-              </a:solidFill>
-              <a:latin typeface="Calibri"/>
+            <a:endParaRPr b="0" lang="en-US" sz="2400" spc="-1" strike="noStrike">
+              <a:latin typeface="Arial"/>
             </a:endParaRPr>
           </a:p>
           <a:p>
@@ -3222,19 +2891,13 @@
               <a:buChar char=""/>
             </a:pPr>
             <a:r>
-              <a:rPr b="0" lang="en-US" sz="1800" spc="-1" strike="noStrike">
-                <a:solidFill>
-                  <a:srgbClr val="000000"/>
-                </a:solidFill>
-                <a:latin typeface="Calibri"/>
+              <a:rPr b="0" lang="en-US" sz="2000" spc="-1" strike="noStrike">
+                <a:latin typeface="Arial"/>
               </a:rPr>
               <a:t>Fourth Outline Level</a:t>
             </a:r>
-            <a:endParaRPr b="0" lang="en-US" sz="1800" spc="-1" strike="noStrike">
-              <a:solidFill>
-                <a:srgbClr val="000000"/>
-              </a:solidFill>
-              <a:latin typeface="Calibri"/>
+            <a:endParaRPr b="0" lang="en-US" sz="2000" spc="-1" strike="noStrike">
+              <a:latin typeface="Arial"/>
             </a:endParaRPr>
           </a:p>
           <a:p>
@@ -3251,18 +2914,12 @@
             </a:pPr>
             <a:r>
               <a:rPr b="0" lang="en-US" sz="2000" spc="-1" strike="noStrike">
-                <a:solidFill>
-                  <a:srgbClr val="000000"/>
-                </a:solidFill>
-                <a:latin typeface="Calibri"/>
+                <a:latin typeface="Arial"/>
               </a:rPr>
               <a:t>Fifth Outline Level</a:t>
             </a:r>
             <a:endParaRPr b="0" lang="en-US" sz="2000" spc="-1" strike="noStrike">
-              <a:solidFill>
-                <a:srgbClr val="000000"/>
-              </a:solidFill>
-              <a:latin typeface="Calibri"/>
+              <a:latin typeface="Arial"/>
             </a:endParaRPr>
           </a:p>
           <a:p>
@@ -3279,18 +2936,12 @@
             </a:pPr>
             <a:r>
               <a:rPr b="0" lang="en-US" sz="2000" spc="-1" strike="noStrike">
-                <a:solidFill>
-                  <a:srgbClr val="000000"/>
-                </a:solidFill>
-                <a:latin typeface="Calibri"/>
+                <a:latin typeface="Arial"/>
               </a:rPr>
               <a:t>Sixth Outline Level</a:t>
             </a:r>
             <a:endParaRPr b="0" lang="en-US" sz="2000" spc="-1" strike="noStrike">
-              <a:solidFill>
-                <a:srgbClr val="000000"/>
-              </a:solidFill>
-              <a:latin typeface="Calibri"/>
+              <a:latin typeface="Arial"/>
             </a:endParaRPr>
           </a:p>
           <a:p>
@@ -3307,18 +2958,12 @@
             </a:pPr>
             <a:r>
               <a:rPr b="0" lang="en-US" sz="2000" spc="-1" strike="noStrike">
-                <a:solidFill>
-                  <a:srgbClr val="000000"/>
-                </a:solidFill>
-                <a:latin typeface="Calibri"/>
+                <a:latin typeface="Arial"/>
               </a:rPr>
               <a:t>Seventh Outline Level</a:t>
             </a:r>
             <a:endParaRPr b="0" lang="en-US" sz="2000" spc="-1" strike="noStrike">
-              <a:solidFill>
-                <a:srgbClr val="000000"/>
-              </a:solidFill>
-              <a:latin typeface="Calibri"/>
+              <a:latin typeface="Arial"/>
             </a:endParaRPr>
           </a:p>
         </p:txBody>
@@ -3369,7 +3014,7 @@
       </p:grpSpPr>
       <p:sp>
         <p:nvSpPr>
-          <p:cNvPr id="41" name="PlaceHolder 1"/>
+          <p:cNvPr id="38" name="PlaceHolder 1"/>
           <p:cNvSpPr>
             <a:spLocks noGrp="1"/>
           </p:cNvSpPr>
@@ -3379,44 +3024,34 @@
         </p:nvSpPr>
         <p:spPr>
           <a:xfrm>
-            <a:off x="838080" y="365040"/>
-            <a:ext cx="10515240" cy="1325160"/>
-          </a:xfrm>
-          <a:prstGeom prst="rect">
-            <a:avLst/>
-          </a:prstGeom>
-        </p:spPr>
-        <p:txBody>
-          <a:bodyPr anchor="ctr">
+            <a:off x="609480" y="273600"/>
+            <a:ext cx="10972440" cy="1144800"/>
+          </a:xfrm>
+          <a:prstGeom prst="rect">
+            <a:avLst/>
+          </a:prstGeom>
+        </p:spPr>
+        <p:txBody>
+          <a:bodyPr lIns="0" rIns="0" tIns="0" bIns="0" anchor="ctr">
             <a:noAutofit/>
           </a:bodyPr>
           <a:p>
-            <a:pPr>
-              <a:lnSpc>
-                <a:spcPct val="90000"/>
-              </a:lnSpc>
-            </a:pPr>
+            <a:pPr algn="ctr"/>
             <a:r>
               <a:rPr b="0" lang="en-US" sz="4400" spc="-1" strike="noStrike">
-                <a:solidFill>
-                  <a:srgbClr val="000000"/>
-                </a:solidFill>
-                <a:latin typeface="Calibri Light"/>
-              </a:rPr>
-              <a:t>Click to edit Master title style</a:t>
+                <a:latin typeface="Arial"/>
+              </a:rPr>
+              <a:t>Click to edit the title text format</a:t>
             </a:r>
             <a:endParaRPr b="0" lang="en-US" sz="4400" spc="-1" strike="noStrike">
-              <a:solidFill>
-                <a:srgbClr val="000000"/>
-              </a:solidFill>
-              <a:latin typeface="Calibri"/>
-            </a:endParaRPr>
-          </a:p>
-        </p:txBody>
-      </p:sp>
-      <p:sp>
-        <p:nvSpPr>
-          <p:cNvPr id="42" name="PlaceHolder 2"/>
+              <a:latin typeface="Arial"/>
+            </a:endParaRPr>
+          </a:p>
+        </p:txBody>
+      </p:sp>
+      <p:sp>
+        <p:nvSpPr>
+          <p:cNvPr id="39" name="PlaceHolder 2"/>
           <p:cNvSpPr>
             <a:spLocks noGrp="1"/>
           </p:cNvSpPr>
@@ -3426,283 +3061,169 @@
         </p:nvSpPr>
         <p:spPr>
           <a:xfrm>
-            <a:off x="838080" y="1825560"/>
-            <a:ext cx="10515240" cy="4350960"/>
-          </a:xfrm>
-          <a:prstGeom prst="rect">
-            <a:avLst/>
-          </a:prstGeom>
-        </p:spPr>
-        <p:txBody>
-          <a:bodyPr>
-            <a:noAutofit/>
-          </a:bodyPr>
-          <a:p>
-            <a:pPr marL="228600" indent="-228240">
-              <a:lnSpc>
-                <a:spcPct val="90000"/>
-              </a:lnSpc>
+            <a:off x="609480" y="1604520"/>
+            <a:ext cx="10972440" cy="3977280"/>
+          </a:xfrm>
+          <a:prstGeom prst="rect">
+            <a:avLst/>
+          </a:prstGeom>
+        </p:spPr>
+        <p:txBody>
+          <a:bodyPr lIns="0" rIns="0" tIns="0" bIns="0">
+            <a:normAutofit/>
+          </a:bodyPr>
+          <a:p>
+            <a:pPr marL="432000" indent="-324000">
               <a:spcBef>
-                <a:spcPts val="1001"/>
+                <a:spcPts val="1417"/>
               </a:spcBef>
               <a:buClr>
                 <a:srgbClr val="000000"/>
               </a:buClr>
-              <a:buFont typeface="Arial"/>
-              <a:buChar char="•"/>
-            </a:pPr>
-            <a:r>
-              <a:rPr b="0" lang="en-US" sz="2800" spc="-1" strike="noStrike">
-                <a:solidFill>
-                  <a:srgbClr val="000000"/>
-                </a:solidFill>
-                <a:latin typeface="Calibri"/>
-              </a:rPr>
-              <a:t>Click to edit Master text styles</a:t>
-            </a:r>
-            <a:endParaRPr b="0" lang="en-US" sz="2800" spc="-1" strike="noStrike">
-              <a:solidFill>
-                <a:srgbClr val="000000"/>
-              </a:solidFill>
-              <a:latin typeface="Calibri"/>
-            </a:endParaRPr>
-          </a:p>
-          <a:p>
-            <a:pPr lvl="1" marL="685800" indent="-228240">
-              <a:lnSpc>
-                <a:spcPct val="90000"/>
-              </a:lnSpc>
+              <a:buSzPct val="45000"/>
+              <a:buFont typeface="Wingdings" charset="2"/>
+              <a:buChar char=""/>
+            </a:pPr>
+            <a:r>
+              <a:rPr b="0" lang="en-US" sz="3200" spc="-1" strike="noStrike">
+                <a:latin typeface="Arial"/>
+              </a:rPr>
+              <a:t>Click to edit the outline text format</a:t>
+            </a:r>
+            <a:endParaRPr b="0" lang="en-US" sz="3200" spc="-1" strike="noStrike">
+              <a:latin typeface="Arial"/>
+            </a:endParaRPr>
+          </a:p>
+          <a:p>
+            <a:pPr lvl="1" marL="864000" indent="-324000">
               <a:spcBef>
-                <a:spcPts val="499"/>
+                <a:spcPts val="1134"/>
               </a:spcBef>
               <a:buClr>
                 <a:srgbClr val="000000"/>
               </a:buClr>
-              <a:buFont typeface="Arial"/>
-              <a:buChar char="•"/>
-            </a:pPr>
-            <a:r>
-              <a:rPr b="0" lang="en-US" sz="2400" spc="-1" strike="noStrike">
-                <a:solidFill>
-                  <a:srgbClr val="000000"/>
-                </a:solidFill>
-                <a:latin typeface="Calibri"/>
-              </a:rPr>
-              <a:t>Second level</a:t>
-            </a:r>
-            <a:endParaRPr b="0" lang="en-US" sz="2400" spc="-1" strike="noStrike">
-              <a:solidFill>
-                <a:srgbClr val="000000"/>
-              </a:solidFill>
-              <a:latin typeface="Calibri"/>
-            </a:endParaRPr>
-          </a:p>
-          <a:p>
-            <a:pPr lvl="2" marL="1143000" indent="-228240">
-              <a:lnSpc>
-                <a:spcPct val="90000"/>
-              </a:lnSpc>
+              <a:buSzPct val="75000"/>
+              <a:buFont typeface="Symbol" charset="2"/>
+              <a:buChar char=""/>
+            </a:pPr>
+            <a:r>
+              <a:rPr b="0" lang="en-US" sz="2800" spc="-1" strike="noStrike">
+                <a:latin typeface="Arial"/>
+              </a:rPr>
+              <a:t>Second Outline Level</a:t>
+            </a:r>
+            <a:endParaRPr b="0" lang="en-US" sz="2800" spc="-1" strike="noStrike">
+              <a:latin typeface="Arial"/>
+            </a:endParaRPr>
+          </a:p>
+          <a:p>
+            <a:pPr lvl="2" marL="1296000" indent="-288000">
               <a:spcBef>
-                <a:spcPts val="499"/>
+                <a:spcPts val="850"/>
               </a:spcBef>
               <a:buClr>
                 <a:srgbClr val="000000"/>
               </a:buClr>
-              <a:buFont typeface="Arial"/>
-              <a:buChar char="•"/>
-            </a:pPr>
-            <a:r>
-              <a:rPr b="0" lang="en-US" sz="2000" spc="-1" strike="noStrike">
-                <a:solidFill>
-                  <a:srgbClr val="000000"/>
-                </a:solidFill>
-                <a:latin typeface="Calibri"/>
-              </a:rPr>
-              <a:t>Third level</a:t>
-            </a:r>
-            <a:endParaRPr b="0" lang="en-US" sz="2000" spc="-1" strike="noStrike">
-              <a:solidFill>
-                <a:srgbClr val="000000"/>
-              </a:solidFill>
-              <a:latin typeface="Calibri"/>
-            </a:endParaRPr>
-          </a:p>
-          <a:p>
-            <a:pPr lvl="3" marL="1600200" indent="-228240">
-              <a:lnSpc>
-                <a:spcPct val="90000"/>
-              </a:lnSpc>
+              <a:buSzPct val="45000"/>
+              <a:buFont typeface="Wingdings" charset="2"/>
+              <a:buChar char=""/>
+            </a:pPr>
+            <a:r>
+              <a:rPr b="0" lang="en-US" sz="2400" spc="-1" strike="noStrike">
+                <a:latin typeface="Arial"/>
+              </a:rPr>
+              <a:t>Third Outline Level</a:t>
+            </a:r>
+            <a:endParaRPr b="0" lang="en-US" sz="2400" spc="-1" strike="noStrike">
+              <a:latin typeface="Arial"/>
+            </a:endParaRPr>
+          </a:p>
+          <a:p>
+            <a:pPr lvl="3" marL="1728000" indent="-216000">
               <a:spcBef>
-                <a:spcPts val="499"/>
+                <a:spcPts val="567"/>
               </a:spcBef>
               <a:buClr>
                 <a:srgbClr val="000000"/>
               </a:buClr>
-              <a:buFont typeface="Arial"/>
-              <a:buChar char="•"/>
-            </a:pPr>
-            <a:r>
-              <a:rPr b="0" lang="en-US" sz="1800" spc="-1" strike="noStrike">
-                <a:solidFill>
-                  <a:srgbClr val="000000"/>
-                </a:solidFill>
-                <a:latin typeface="Calibri"/>
-              </a:rPr>
-              <a:t>Fourth level</a:t>
-            </a:r>
-            <a:endParaRPr b="0" lang="en-US" sz="1800" spc="-1" strike="noStrike">
-              <a:solidFill>
-                <a:srgbClr val="000000"/>
-              </a:solidFill>
-              <a:latin typeface="Calibri"/>
-            </a:endParaRPr>
-          </a:p>
-          <a:p>
-            <a:pPr lvl="4" marL="2057400" indent="-228240">
-              <a:lnSpc>
-                <a:spcPct val="90000"/>
-              </a:lnSpc>
+              <a:buSzPct val="75000"/>
+              <a:buFont typeface="Symbol" charset="2"/>
+              <a:buChar char=""/>
+            </a:pPr>
+            <a:r>
+              <a:rPr b="0" lang="en-US" sz="2000" spc="-1" strike="noStrike">
+                <a:latin typeface="Arial"/>
+              </a:rPr>
+              <a:t>Fourth Outline Level</a:t>
+            </a:r>
+            <a:endParaRPr b="0" lang="en-US" sz="2000" spc="-1" strike="noStrike">
+              <a:latin typeface="Arial"/>
+            </a:endParaRPr>
+          </a:p>
+          <a:p>
+            <a:pPr lvl="4" marL="2160000" indent="-216000">
               <a:spcBef>
-                <a:spcPts val="499"/>
+                <a:spcPts val="283"/>
               </a:spcBef>
               <a:buClr>
                 <a:srgbClr val="000000"/>
               </a:buClr>
-              <a:buFont typeface="Arial"/>
-              <a:buChar char="•"/>
-            </a:pPr>
-            <a:r>
-              <a:rPr b="0" lang="en-US" sz="1800" spc="-1" strike="noStrike">
-                <a:solidFill>
-                  <a:srgbClr val="000000"/>
-                </a:solidFill>
-                <a:latin typeface="Calibri"/>
-              </a:rPr>
-              <a:t>Fifth level</a:t>
-            </a:r>
-            <a:endParaRPr b="0" lang="en-US" sz="1800" spc="-1" strike="noStrike">
-              <a:solidFill>
+              <a:buSzPct val="45000"/>
+              <a:buFont typeface="Wingdings" charset="2"/>
+              <a:buChar char=""/>
+            </a:pPr>
+            <a:r>
+              <a:rPr b="0" lang="en-US" sz="2000" spc="-1" strike="noStrike">
+                <a:latin typeface="Arial"/>
+              </a:rPr>
+              <a:t>Fifth Outline Level</a:t>
+            </a:r>
+            <a:endParaRPr b="0" lang="en-US" sz="2000" spc="-1" strike="noStrike">
+              <a:latin typeface="Arial"/>
+            </a:endParaRPr>
+          </a:p>
+          <a:p>
+            <a:pPr lvl="5" marL="2592000" indent="-216000">
+              <a:spcBef>
+                <a:spcPts val="283"/>
+              </a:spcBef>
+              <a:buClr>
                 <a:srgbClr val="000000"/>
-              </a:solidFill>
-              <a:latin typeface="Calibri"/>
-            </a:endParaRPr>
-          </a:p>
-        </p:txBody>
-      </p:sp>
-      <p:sp>
-        <p:nvSpPr>
-          <p:cNvPr id="43" name="PlaceHolder 3"/>
-          <p:cNvSpPr>
-            <a:spLocks noGrp="1"/>
-          </p:cNvSpPr>
-          <p:nvPr>
-            <p:ph type="dt"/>
-          </p:nvPr>
-        </p:nvSpPr>
-        <p:spPr>
-          <a:xfrm>
-            <a:off x="838080" y="6356520"/>
-            <a:ext cx="2742840" cy="364680"/>
-          </a:xfrm>
-          <a:prstGeom prst="rect">
-            <a:avLst/>
-          </a:prstGeom>
-        </p:spPr>
-        <p:txBody>
-          <a:bodyPr anchor="ctr">
-            <a:noAutofit/>
-          </a:bodyPr>
-          <a:p>
-            <a:pPr>
-              <a:lnSpc>
-                <a:spcPct val="100000"/>
-              </a:lnSpc>
-            </a:pPr>
-            <a:fld id="{ABE03687-0850-42DD-9F4B-A9F143A41CEC}" type="datetime">
-              <a:rPr b="0" lang="en-US" sz="1200" spc="-1" strike="noStrike">
-                <a:solidFill>
-                  <a:srgbClr val="8b8b8b"/>
-                </a:solidFill>
-                <a:latin typeface="Calibri"/>
-              </a:rPr>
-              <a:t>4/21/21</a:t>
-            </a:fld>
-            <a:endParaRPr b="0" lang="en-US" sz="1200" spc="-1" strike="noStrike">
-              <a:latin typeface="Times New Roman"/>
-            </a:endParaRPr>
-          </a:p>
-        </p:txBody>
-      </p:sp>
-      <p:sp>
-        <p:nvSpPr>
-          <p:cNvPr id="44" name="PlaceHolder 4"/>
-          <p:cNvSpPr>
-            <a:spLocks noGrp="1"/>
-          </p:cNvSpPr>
-          <p:nvPr>
-            <p:ph type="ftr"/>
-          </p:nvPr>
-        </p:nvSpPr>
-        <p:spPr>
-          <a:xfrm>
-            <a:off x="4038480" y="6356520"/>
-            <a:ext cx="4114440" cy="364680"/>
-          </a:xfrm>
-          <a:prstGeom prst="rect">
-            <a:avLst/>
-          </a:prstGeom>
-        </p:spPr>
-        <p:txBody>
-          <a:bodyPr anchor="ctr">
-            <a:noAutofit/>
-          </a:bodyPr>
-          <a:p>
-            <a:endParaRPr b="0" lang="en-US" sz="2400" spc="-1" strike="noStrike">
-              <a:latin typeface="Times New Roman"/>
-            </a:endParaRPr>
-          </a:p>
-        </p:txBody>
-      </p:sp>
-      <p:sp>
-        <p:nvSpPr>
-          <p:cNvPr id="45" name="PlaceHolder 5"/>
-          <p:cNvSpPr>
-            <a:spLocks noGrp="1"/>
-          </p:cNvSpPr>
-          <p:nvPr>
-            <p:ph type="sldNum"/>
-          </p:nvPr>
-        </p:nvSpPr>
-        <p:spPr>
-          <a:xfrm>
-            <a:off x="8610480" y="6356520"/>
-            <a:ext cx="2742840" cy="364680"/>
-          </a:xfrm>
-          <a:prstGeom prst="rect">
-            <a:avLst/>
-          </a:prstGeom>
-        </p:spPr>
-        <p:txBody>
-          <a:bodyPr anchor="ctr">
-            <a:noAutofit/>
-          </a:bodyPr>
-          <a:p>
-            <a:pPr algn="r">
-              <a:lnSpc>
-                <a:spcPct val="100000"/>
-              </a:lnSpc>
-            </a:pPr>
-            <a:fld id="{5AA063EA-08B4-4392-8400-72B406772D51}" type="slidenum">
-              <a:rPr b="0" lang="en-US" sz="1200" spc="-1" strike="noStrike">
-                <a:solidFill>
-                  <a:srgbClr val="8b8b8b"/>
-                </a:solidFill>
-                <a:latin typeface="Calibri"/>
-              </a:rPr>
-              <a:t>&lt;number&gt;</a:t>
-            </a:fld>
-            <a:endParaRPr b="0" lang="en-US" sz="1200" spc="-1" strike="noStrike">
-              <a:latin typeface="Times New Roman"/>
+              </a:buClr>
+              <a:buSzPct val="45000"/>
+              <a:buFont typeface="Wingdings" charset="2"/>
+              <a:buChar char=""/>
+            </a:pPr>
+            <a:r>
+              <a:rPr b="0" lang="en-US" sz="2000" spc="-1" strike="noStrike">
+                <a:latin typeface="Arial"/>
+              </a:rPr>
+              <a:t>Sixth Outline Level</a:t>
+            </a:r>
+            <a:endParaRPr b="0" lang="en-US" sz="2000" spc="-1" strike="noStrike">
+              <a:latin typeface="Arial"/>
+            </a:endParaRPr>
+          </a:p>
+          <a:p>
+            <a:pPr lvl="6" marL="3024000" indent="-216000">
+              <a:spcBef>
+                <a:spcPts val="283"/>
+              </a:spcBef>
+              <a:buClr>
+                <a:srgbClr val="000000"/>
+              </a:buClr>
+              <a:buSzPct val="45000"/>
+              <a:buFont typeface="Wingdings" charset="2"/>
+              <a:buChar char=""/>
+            </a:pPr>
+            <a:r>
+              <a:rPr b="0" lang="en-US" sz="2000" spc="-1" strike="noStrike">
+                <a:latin typeface="Arial"/>
+              </a:rPr>
+              <a:t>Seventh Outline Level</a:t>
+            </a:r>
+            <a:endParaRPr b="0" lang="en-US" sz="2000" spc="-1" strike="noStrike">
+              <a:latin typeface="Arial"/>
             </a:endParaRPr>
           </a:p>
         </p:txBody>
@@ -3746,14 +3267,14 @@
       </p:grpSpPr>
       <p:sp>
         <p:nvSpPr>
-          <p:cNvPr id="82" name="Title 1"/>
-          <p:cNvSpPr txBox="1"/>
+          <p:cNvPr id="76" name="Title 1"/>
+          <p:cNvSpPr/>
           <p:nvPr/>
         </p:nvSpPr>
         <p:spPr>
           <a:xfrm>
             <a:off x="1523880" y="289080"/>
-            <a:ext cx="9143640" cy="1817280"/>
+            <a:ext cx="9143280" cy="1816920"/>
           </a:xfrm>
           <a:prstGeom prst="rect">
             <a:avLst/>
@@ -3763,8 +3284,14 @@
             <a:noFill/>
           </a:ln>
         </p:spPr>
-        <p:txBody>
-          <a:bodyPr anchor="b">
+        <p:style>
+          <a:lnRef idx="0"/>
+          <a:fillRef idx="0"/>
+          <a:effectRef idx="0"/>
+          <a:fontRef idx="minor"/>
+        </p:style>
+        <p:txBody>
+          <a:bodyPr lIns="90000" rIns="90000" tIns="45000" bIns="45000" anchor="b">
             <a:normAutofit/>
           </a:bodyPr>
           <a:p>
@@ -3793,24 +3320,21 @@
               <a:t>Collaboration in GitHub</a:t>
             </a:r>
             <a:endParaRPr b="0" lang="en-US" sz="5400" spc="-1" strike="noStrike">
-              <a:solidFill>
-                <a:srgbClr val="000000"/>
-              </a:solidFill>
-              <a:latin typeface="Calibri"/>
-            </a:endParaRPr>
-          </a:p>
-        </p:txBody>
-      </p:sp>
-      <p:sp>
-        <p:nvSpPr>
-          <p:cNvPr id="83" name="Subtitle 2"/>
-          <p:cNvSpPr txBox="1"/>
+              <a:latin typeface="Arial"/>
+            </a:endParaRPr>
+          </a:p>
+        </p:txBody>
+      </p:sp>
+      <p:sp>
+        <p:nvSpPr>
+          <p:cNvPr id="77" name="Subtitle 2"/>
+          <p:cNvSpPr/>
           <p:nvPr/>
         </p:nvSpPr>
         <p:spPr>
           <a:xfrm>
             <a:off x="1523880" y="1922040"/>
-            <a:ext cx="9143640" cy="1320120"/>
+            <a:ext cx="9143280" cy="1319760"/>
           </a:xfrm>
           <a:prstGeom prst="rect">
             <a:avLst/>
@@ -3820,9 +3344,15 @@
             <a:noFill/>
           </a:ln>
         </p:spPr>
-        <p:txBody>
-          <a:bodyPr>
-            <a:normAutofit/>
+        <p:style>
+          <a:lnRef idx="0"/>
+          <a:fillRef idx="0"/>
+          <a:effectRef idx="0"/>
+          <a:fontRef idx="minor"/>
+        </p:style>
+        <p:txBody>
+          <a:bodyPr lIns="90000" rIns="90000" tIns="45000" bIns="45000">
+            <a:normAutofit fontScale="94000"/>
           </a:bodyPr>
           <a:p>
             <a:pPr algn="ctr">
@@ -3836,7 +3366,7 @@
                 <a:tab algn="l" pos="0"/>
               </a:tabLst>
             </a:pPr>
-            <a:endParaRPr b="0" lang="en-US" sz="3200" spc="-1" strike="noStrike">
+            <a:endParaRPr b="0" lang="en-US" sz="1800" spc="-1" strike="noStrike">
               <a:latin typeface="Arial"/>
             </a:endParaRPr>
           </a:p>
@@ -3894,14 +3424,14 @@
       </p:sp>
       <p:sp>
         <p:nvSpPr>
-          <p:cNvPr id="84" name="Subtitle 2"/>
+          <p:cNvPr id="78" name="Subtitle 2"/>
           <p:cNvSpPr/>
           <p:nvPr/>
         </p:nvSpPr>
         <p:spPr>
           <a:xfrm>
             <a:off x="1523880" y="3615480"/>
-            <a:ext cx="9143640" cy="3005640"/>
+            <a:ext cx="9143280" cy="3005280"/>
           </a:xfrm>
           <a:prstGeom prst="rect">
             <a:avLst/>
@@ -3918,7 +3448,7 @@
           <a:fontRef idx="minor"/>
         </p:style>
         <p:txBody>
-          <a:bodyPr>
+          <a:bodyPr lIns="90000" rIns="90000" tIns="45000" bIns="45000">
             <a:normAutofit/>
           </a:bodyPr>
           <a:p>
@@ -3939,6 +3469,7 @@
                   <a:srgbClr val="000000"/>
                 </a:solidFill>
                 <a:latin typeface="Calibri"/>
+                <a:ea typeface="DejaVu Sans"/>
               </a:rPr>
               <a:t>Before we begin:</a:t>
             </a:r>
@@ -3947,7 +3478,7 @@
             </a:endParaRPr>
           </a:p>
           <a:p>
-            <a:pPr marL="343080" indent="-342720">
+            <a:pPr marL="343080" indent="-342360">
               <a:lnSpc>
                 <a:spcPct val="90000"/>
               </a:lnSpc>
@@ -3969,6 +3500,7 @@
                   <a:srgbClr val="000000"/>
                 </a:solidFill>
                 <a:latin typeface="Calibri"/>
+                <a:ea typeface="DejaVu Sans"/>
               </a:rPr>
               <a:t>Install git </a:t>
             </a:r>
@@ -3979,6 +3511,7 @@
                 </a:solidFill>
                 <a:uFillTx/>
                 <a:latin typeface="Calibri"/>
+                <a:ea typeface="DejaVu Sans"/>
                 <a:hlinkClick r:id="rId1"/>
               </a:rPr>
               <a:t>git-scm.com/downloads</a:t>
@@ -3988,7 +3521,7 @@
             </a:endParaRPr>
           </a:p>
           <a:p>
-            <a:pPr marL="343080" indent="-342720">
+            <a:pPr marL="343080" indent="-342360">
               <a:lnSpc>
                 <a:spcPct val="90000"/>
               </a:lnSpc>
@@ -4010,6 +3543,7 @@
                   <a:srgbClr val="000000"/>
                 </a:solidFill>
                 <a:latin typeface="Calibri"/>
+                <a:ea typeface="DejaVu Sans"/>
               </a:rPr>
               <a:t>Make a GitHub account </a:t>
             </a:r>
@@ -4020,6 +3554,7 @@
                 </a:solidFill>
                 <a:uFillTx/>
                 <a:latin typeface="Calibri"/>
+                <a:ea typeface="DejaVu Sans"/>
                 <a:hlinkClick r:id="rId2"/>
               </a:rPr>
               <a:t>github.com</a:t>
@@ -4029,7 +3564,7 @@
             </a:endParaRPr>
           </a:p>
           <a:p>
-            <a:pPr marL="343080" indent="-342720">
+            <a:pPr marL="343080" indent="-342360">
               <a:lnSpc>
                 <a:spcPct val="90000"/>
               </a:lnSpc>
@@ -4051,8 +3586,9 @@
                   <a:srgbClr val="000000"/>
                 </a:solidFill>
                 <a:latin typeface="Calibri"/>
-              </a:rPr>
-              <a:t>Take the pre-survey (optional but much appreciated!) </a:t>
+                <a:ea typeface="DejaVu Sans"/>
+              </a:rPr>
+              <a:t>Find today’s notes </a:t>
             </a:r>
             <a:r>
               <a:rPr b="0" lang="en-US" sz="2400" spc="-1" strike="noStrike" u="sng">
@@ -4061,48 +3597,8 @@
                 </a:solidFill>
                 <a:uFillTx/>
                 <a:latin typeface="Calibri"/>
+                <a:ea typeface="DejaVu Sans"/>
                 <a:hlinkClick r:id="rId3"/>
-              </a:rPr>
-              <a:t>https://carpentries.typeform.com/to/wi32rS?slug=2021-04-02-r-ladies-seattle-online</a:t>
-            </a:r>
-            <a:endParaRPr b="0" lang="en-US" sz="2400" spc="-1" strike="noStrike">
-              <a:latin typeface="Arial"/>
-            </a:endParaRPr>
-          </a:p>
-          <a:p>
-            <a:pPr marL="343080" indent="-342720">
-              <a:lnSpc>
-                <a:spcPct val="90000"/>
-              </a:lnSpc>
-              <a:spcBef>
-                <a:spcPts val="1001"/>
-              </a:spcBef>
-              <a:buClr>
-                <a:srgbClr val="000000"/>
-              </a:buClr>
-              <a:buFont typeface="Arial"/>
-              <a:buChar char="-"/>
-              <a:tabLst>
-                <a:tab algn="l" pos="0"/>
-              </a:tabLst>
-            </a:pPr>
-            <a:r>
-              <a:rPr b="0" lang="en-US" sz="2400" spc="-1" strike="noStrike">
-                <a:solidFill>
-                  <a:srgbClr val="000000"/>
-                </a:solidFill>
-                <a:latin typeface="Calibri"/>
-              </a:rPr>
-              <a:t>Find today’s notes </a:t>
-            </a:r>
-            <a:r>
-              <a:rPr b="0" lang="en-US" sz="2400" spc="-1" strike="noStrike" u="sng">
-                <a:solidFill>
-                  <a:srgbClr val="0563c1"/>
-                </a:solidFill>
-                <a:uFillTx/>
-                <a:latin typeface="Calibri"/>
-                <a:hlinkClick r:id="rId4"/>
               </a:rPr>
               <a:t>bit.ly/Rladies-git</a:t>
             </a:r>
@@ -4160,14 +3656,14 @@
       </p:grpSpPr>
       <p:sp>
         <p:nvSpPr>
-          <p:cNvPr id="85" name="Title 1"/>
-          <p:cNvSpPr txBox="1"/>
+          <p:cNvPr id="79" name="Title 1"/>
+          <p:cNvSpPr/>
           <p:nvPr/>
         </p:nvSpPr>
         <p:spPr>
           <a:xfrm>
             <a:off x="838080" y="365040"/>
-            <a:ext cx="10515240" cy="1325160"/>
+            <a:ext cx="10514880" cy="1324800"/>
           </a:xfrm>
           <a:prstGeom prst="rect">
             <a:avLst/>
@@ -4177,8 +3673,14 @@
             <a:noFill/>
           </a:ln>
         </p:spPr>
-        <p:txBody>
-          <a:bodyPr anchor="ctr">
+        <p:style>
+          <a:lnRef idx="0"/>
+          <a:fillRef idx="0"/>
+          <a:effectRef idx="0"/>
+          <a:fontRef idx="minor"/>
+        </p:style>
+        <p:txBody>
+          <a:bodyPr lIns="90000" rIns="90000" tIns="45000" bIns="45000" anchor="ctr">
             <a:noAutofit/>
           </a:bodyPr>
           <a:p>
@@ -4197,24 +3699,21 @@
               <a:t>Overview</a:t>
             </a:r>
             <a:endParaRPr b="0" lang="en-US" sz="4400" spc="-1" strike="noStrike">
-              <a:solidFill>
-                <a:srgbClr val="000000"/>
-              </a:solidFill>
-              <a:latin typeface="Calibri"/>
-            </a:endParaRPr>
-          </a:p>
-        </p:txBody>
-      </p:sp>
-      <p:sp>
-        <p:nvSpPr>
-          <p:cNvPr id="86" name="Content Placeholder 2"/>
-          <p:cNvSpPr txBox="1"/>
+              <a:latin typeface="Arial"/>
+            </a:endParaRPr>
+          </a:p>
+        </p:txBody>
+      </p:sp>
+      <p:sp>
+        <p:nvSpPr>
+          <p:cNvPr id="80" name="Content Placeholder 2"/>
+          <p:cNvSpPr/>
           <p:nvPr/>
         </p:nvSpPr>
         <p:spPr>
           <a:xfrm>
             <a:off x="838080" y="1825560"/>
-            <a:ext cx="10515240" cy="4350960"/>
+            <a:ext cx="10514880" cy="4350600"/>
           </a:xfrm>
           <a:prstGeom prst="rect">
             <a:avLst/>
@@ -4224,8 +3723,14 @@
             <a:noFill/>
           </a:ln>
         </p:spPr>
-        <p:txBody>
-          <a:bodyPr>
+        <p:style>
+          <a:lnRef idx="0"/>
+          <a:fillRef idx="0"/>
+          <a:effectRef idx="0"/>
+          <a:fontRef idx="minor"/>
+        </p:style>
+        <p:txBody>
+          <a:bodyPr lIns="90000" rIns="90000" tIns="45000" bIns="45000">
             <a:normAutofit/>
           </a:bodyPr>
           <a:p>
@@ -4250,10 +3755,7 @@
               <a:t>Sign-up for each event separately at </a:t>
             </a:r>
             <a:endParaRPr b="0" lang="en-US" sz="2800" spc="-1" strike="noStrike">
-              <a:solidFill>
-                <a:srgbClr val="000000"/>
-              </a:solidFill>
-              <a:latin typeface="Calibri"/>
+              <a:latin typeface="Arial"/>
             </a:endParaRPr>
           </a:p>
           <a:p>
@@ -4280,10 +3782,7 @@
               <a:t>https://www.meetup.com/rladies-seattle/events/</a:t>
             </a:r>
             <a:endParaRPr b="0" lang="en-US" sz="2800" spc="-1" strike="noStrike">
-              <a:solidFill>
-                <a:srgbClr val="000000"/>
-              </a:solidFill>
-              <a:latin typeface="Calibri"/>
+              <a:latin typeface="Arial"/>
             </a:endParaRPr>
           </a:p>
           <a:p>
@@ -4299,10 +3798,7 @@
               </a:tabLst>
             </a:pPr>
             <a:endParaRPr b="0" lang="en-US" sz="2800" spc="-1" strike="noStrike">
-              <a:solidFill>
-                <a:srgbClr val="000000"/>
-              </a:solidFill>
-              <a:latin typeface="Calibri"/>
+              <a:latin typeface="Arial"/>
             </a:endParaRPr>
           </a:p>
           <a:p>
@@ -4327,10 +3823,7 @@
               <a:t>02: Command line git</a:t>
             </a:r>
             <a:endParaRPr b="0" lang="en-US" sz="2800" spc="-1" strike="noStrike">
-              <a:solidFill>
-                <a:srgbClr val="000000"/>
-              </a:solidFill>
-              <a:latin typeface="Calibri"/>
+              <a:latin typeface="Arial"/>
             </a:endParaRPr>
           </a:p>
           <a:p>
@@ -4355,10 +3848,7 @@
               <a:t>09: GitHub</a:t>
             </a:r>
             <a:endParaRPr b="0" lang="en-US" sz="2800" spc="-1" strike="noStrike">
-              <a:solidFill>
-                <a:srgbClr val="000000"/>
-              </a:solidFill>
-              <a:latin typeface="Calibri"/>
+              <a:latin typeface="Arial"/>
             </a:endParaRPr>
           </a:p>
           <a:p>
@@ -4383,10 +3873,7 @@
               <a:t>16: GitHub GUI and RStudio</a:t>
             </a:r>
             <a:endParaRPr b="0" lang="en-US" sz="2800" spc="-1" strike="noStrike">
-              <a:solidFill>
-                <a:srgbClr val="000000"/>
-              </a:solidFill>
-              <a:latin typeface="Calibri"/>
+              <a:latin typeface="Arial"/>
             </a:endParaRPr>
           </a:p>
           <a:p>
@@ -4411,10 +3898,7 @@
               <a:t>23: Collaborating in GitHub</a:t>
             </a:r>
             <a:endParaRPr b="0" lang="en-US" sz="2800" spc="-1" strike="noStrike">
-              <a:solidFill>
-                <a:srgbClr val="000000"/>
-              </a:solidFill>
-              <a:latin typeface="Calibri"/>
+              <a:latin typeface="Arial"/>
             </a:endParaRPr>
           </a:p>
         </p:txBody>
@@ -4451,14 +3935,14 @@
       </p:grpSpPr>
       <p:sp>
         <p:nvSpPr>
-          <p:cNvPr id="87" name="Title 1"/>
-          <p:cNvSpPr txBox="1"/>
+          <p:cNvPr id="81" name="Title 1"/>
+          <p:cNvSpPr/>
           <p:nvPr/>
         </p:nvSpPr>
         <p:spPr>
           <a:xfrm>
             <a:off x="838080" y="365040"/>
-            <a:ext cx="10515240" cy="1325160"/>
+            <a:ext cx="10514880" cy="1324800"/>
           </a:xfrm>
           <a:prstGeom prst="rect">
             <a:avLst/>
@@ -4468,8 +3952,14 @@
             <a:noFill/>
           </a:ln>
         </p:spPr>
-        <p:txBody>
-          <a:bodyPr anchor="ctr">
+        <p:style>
+          <a:lnRef idx="0"/>
+          <a:fillRef idx="0"/>
+          <a:effectRef idx="0"/>
+          <a:fontRef idx="minor"/>
+        </p:style>
+        <p:txBody>
+          <a:bodyPr lIns="90000" rIns="90000" tIns="45000" bIns="45000" anchor="ctr">
             <a:noAutofit/>
           </a:bodyPr>
           <a:p>
@@ -4488,24 +3978,21 @@
               <a:t>Code of conduct</a:t>
             </a:r>
             <a:endParaRPr b="0" lang="en-US" sz="4400" spc="-1" strike="noStrike">
-              <a:solidFill>
-                <a:srgbClr val="000000"/>
-              </a:solidFill>
-              <a:latin typeface="Calibri"/>
-            </a:endParaRPr>
-          </a:p>
-        </p:txBody>
-      </p:sp>
-      <p:sp>
-        <p:nvSpPr>
-          <p:cNvPr id="88" name="Content Placeholder 2"/>
-          <p:cNvSpPr txBox="1"/>
+              <a:latin typeface="Arial"/>
+            </a:endParaRPr>
+          </a:p>
+        </p:txBody>
+      </p:sp>
+      <p:sp>
+        <p:nvSpPr>
+          <p:cNvPr id="82" name="Content Placeholder 2"/>
+          <p:cNvSpPr/>
           <p:nvPr/>
         </p:nvSpPr>
         <p:spPr>
           <a:xfrm>
             <a:off x="838080" y="1825560"/>
-            <a:ext cx="10515240" cy="4350960"/>
+            <a:ext cx="10514880" cy="4350600"/>
           </a:xfrm>
           <a:prstGeom prst="rect">
             <a:avLst/>
@@ -4515,8 +4002,14 @@
             <a:noFill/>
           </a:ln>
         </p:spPr>
-        <p:txBody>
-          <a:bodyPr>
+        <p:style>
+          <a:lnRef idx="0"/>
+          <a:fillRef idx="0"/>
+          <a:effectRef idx="0"/>
+          <a:fontRef idx="minor"/>
+        </p:style>
+        <p:txBody>
+          <a:bodyPr lIns="90000" rIns="90000" tIns="45000" bIns="45000">
             <a:normAutofit fontScale="60000"/>
           </a:bodyPr>
           <a:p>
@@ -4541,10 +4034,7 @@
               <a:t>R-Ladies is dedicated to providing a harassment-free experience for everyone. We do not tolerate harassment of participants in any form.</a:t>
             </a:r>
             <a:endParaRPr b="0" lang="en-US" sz="2800" spc="-1" strike="noStrike">
-              <a:solidFill>
-                <a:srgbClr val="000000"/>
-              </a:solidFill>
-              <a:latin typeface="Calibri"/>
+              <a:latin typeface="Arial"/>
             </a:endParaRPr>
           </a:p>
           <a:p>
@@ -4569,10 +4059,7 @@
               <a:t>This code of conduct applies to all R-Ladies spaces, including meetups, Twitter, Slack, mailing lists, both online and offline. Anyone who violates this code of conduct may be sanctioned or expelled from these spaces at the discretion of the Global Leadership Team.</a:t>
             </a:r>
             <a:endParaRPr b="0" lang="en-US" sz="2800" spc="-1" strike="noStrike">
-              <a:solidFill>
-                <a:srgbClr val="000000"/>
-              </a:solidFill>
-              <a:latin typeface="Calibri"/>
+              <a:latin typeface="Arial"/>
             </a:endParaRPr>
           </a:p>
           <a:p>
@@ -4617,10 +4104,7 @@
               <a:t> </a:t>
             </a:r>
             <a:endParaRPr b="0" lang="en-US" sz="2800" spc="-1" strike="noStrike">
-              <a:solidFill>
-                <a:srgbClr val="000000"/>
-              </a:solidFill>
-              <a:latin typeface="Calibri"/>
+              <a:latin typeface="Arial"/>
             </a:endParaRPr>
           </a:p>
           <a:p>
@@ -4636,10 +4120,7 @@
               </a:tabLst>
             </a:pPr>
             <a:endParaRPr b="0" lang="en-US" sz="2800" spc="-1" strike="noStrike">
-              <a:solidFill>
-                <a:srgbClr val="000000"/>
-              </a:solidFill>
-              <a:latin typeface="Calibri"/>
+              <a:latin typeface="Arial"/>
             </a:endParaRPr>
           </a:p>
           <a:p>
@@ -4675,10 +4156,7 @@
               <a:t>https://rladies.org/code-of-conduct/</a:t>
             </a:r>
             <a:endParaRPr b="0" lang="en-US" sz="2800" spc="-1" strike="noStrike">
-              <a:solidFill>
-                <a:srgbClr val="000000"/>
-              </a:solidFill>
-              <a:latin typeface="Calibri"/>
+              <a:latin typeface="Arial"/>
             </a:endParaRPr>
           </a:p>
           <a:p>
@@ -4694,10 +4172,7 @@
               </a:tabLst>
             </a:pPr>
             <a:endParaRPr b="0" lang="en-US" sz="2800" spc="-1" strike="noStrike">
-              <a:solidFill>
-                <a:srgbClr val="000000"/>
-              </a:solidFill>
-              <a:latin typeface="Calibri"/>
+              <a:latin typeface="Arial"/>
             </a:endParaRPr>
           </a:p>
         </p:txBody>
@@ -4734,14 +4209,14 @@
       </p:grpSpPr>
       <p:sp>
         <p:nvSpPr>
-          <p:cNvPr id="89" name="Title 1"/>
-          <p:cNvSpPr txBox="1"/>
+          <p:cNvPr id="83" name="Title 1"/>
+          <p:cNvSpPr/>
           <p:nvPr/>
         </p:nvSpPr>
         <p:spPr>
           <a:xfrm>
             <a:off x="838080" y="365040"/>
-            <a:ext cx="10515240" cy="1325160"/>
+            <a:ext cx="10514880" cy="1324800"/>
           </a:xfrm>
           <a:prstGeom prst="rect">
             <a:avLst/>
@@ -4751,8 +4226,14 @@
             <a:noFill/>
           </a:ln>
         </p:spPr>
-        <p:txBody>
-          <a:bodyPr anchor="ctr">
+        <p:style>
+          <a:lnRef idx="0"/>
+          <a:fillRef idx="0"/>
+          <a:effectRef idx="0"/>
+          <a:fontRef idx="minor"/>
+        </p:style>
+        <p:txBody>
+          <a:bodyPr lIns="90000" rIns="90000" tIns="45000" bIns="45000" anchor="ctr">
             <a:noAutofit/>
           </a:bodyPr>
           <a:p>
@@ -4771,24 +4252,21 @@
               <a:t>Attendees</a:t>
             </a:r>
             <a:endParaRPr b="0" lang="en-US" sz="4400" spc="-1" strike="noStrike">
-              <a:solidFill>
-                <a:srgbClr val="000000"/>
-              </a:solidFill>
-              <a:latin typeface="Calibri"/>
-            </a:endParaRPr>
-          </a:p>
-        </p:txBody>
-      </p:sp>
-      <p:sp>
-        <p:nvSpPr>
-          <p:cNvPr id="90" name="Content Placeholder 2"/>
-          <p:cNvSpPr txBox="1"/>
+              <a:latin typeface="Arial"/>
+            </a:endParaRPr>
+          </a:p>
+        </p:txBody>
+      </p:sp>
+      <p:sp>
+        <p:nvSpPr>
+          <p:cNvPr id="84" name="Content Placeholder 2"/>
+          <p:cNvSpPr/>
           <p:nvPr/>
         </p:nvSpPr>
         <p:spPr>
           <a:xfrm>
             <a:off x="838080" y="1471320"/>
-            <a:ext cx="10515240" cy="5139360"/>
+            <a:ext cx="10514880" cy="5139000"/>
           </a:xfrm>
           <a:prstGeom prst="rect">
             <a:avLst/>
@@ -4798,12 +4276,18 @@
             <a:noFill/>
           </a:ln>
         </p:spPr>
-        <p:txBody>
-          <a:bodyPr>
+        <p:style>
+          <a:lnRef idx="0"/>
+          <a:fillRef idx="0"/>
+          <a:effectRef idx="0"/>
+          <a:fontRef idx="minor"/>
+        </p:style>
+        <p:txBody>
+          <a:bodyPr lIns="90000" rIns="90000" tIns="45000" bIns="45000">
             <a:normAutofit/>
           </a:bodyPr>
           <a:p>
-            <a:pPr marL="228600" indent="-228240">
+            <a:pPr marL="228600" indent="-227880">
               <a:lnSpc>
                 <a:spcPct val="90000"/>
               </a:lnSpc>
@@ -4826,14 +4310,11 @@
               <a:t>Notes and slides</a:t>
             </a:r>
             <a:endParaRPr b="0" lang="en-US" sz="2800" spc="-1" strike="noStrike">
-              <a:solidFill>
-                <a:srgbClr val="000000"/>
-              </a:solidFill>
-              <a:latin typeface="Calibri"/>
-            </a:endParaRPr>
-          </a:p>
-          <a:p>
-            <a:pPr lvl="1" marL="685800" indent="-228240">
+              <a:latin typeface="Arial"/>
+            </a:endParaRPr>
+          </a:p>
+          <a:p>
+            <a:pPr lvl="1" marL="685800" indent="-227880">
               <a:lnSpc>
                 <a:spcPct val="90000"/>
               </a:lnSpc>
@@ -4858,14 +4339,11 @@
               <a:t>bit.ly/Rladies-git</a:t>
             </a:r>
             <a:endParaRPr b="0" lang="en-US" sz="2400" spc="-1" strike="noStrike">
-              <a:solidFill>
-                <a:srgbClr val="000000"/>
-              </a:solidFill>
-              <a:latin typeface="Calibri"/>
-            </a:endParaRPr>
-          </a:p>
-          <a:p>
-            <a:pPr lvl="1" marL="685800" indent="-228240">
+              <a:latin typeface="Arial"/>
+            </a:endParaRPr>
+          </a:p>
+          <a:p>
+            <a:pPr lvl="1" marL="685800" indent="-227880">
               <a:lnSpc>
                 <a:spcPct val="90000"/>
               </a:lnSpc>
@@ -4912,22 +4390,10 @@
                 </a:solidFill>
                 <a:latin typeface="Calibri"/>
               </a:rPr>
-              <a:t> </a:t>
-            </a:r>
-            <a:r>
-              <a:rPr b="0" lang="en-US" sz="2400" spc="-1" strike="noStrike">
-                <a:solidFill>
-                  <a:srgbClr val="000000"/>
-                </a:solidFill>
-                <a:latin typeface="Calibri"/>
-              </a:rPr>
-              <a:t>render in your browser, no need to download</a:t>
+              <a:t> render in your browser, no need to download</a:t>
             </a:r>
             <a:endParaRPr b="0" lang="en-US" sz="2400" spc="-1" strike="noStrike">
-              <a:solidFill>
-                <a:srgbClr val="000000"/>
-              </a:solidFill>
-              <a:latin typeface="Calibri"/>
+              <a:latin typeface="Arial"/>
             </a:endParaRPr>
           </a:p>
           <a:p>
@@ -4940,14 +4406,11 @@
               </a:spcBef>
             </a:pPr>
             <a:endParaRPr b="0" lang="en-US" sz="2400" spc="-1" strike="noStrike">
-              <a:solidFill>
-                <a:srgbClr val="000000"/>
-              </a:solidFill>
-              <a:latin typeface="Calibri"/>
-            </a:endParaRPr>
-          </a:p>
-          <a:p>
-            <a:pPr marL="228600" indent="-228240">
+              <a:latin typeface="Arial"/>
+            </a:endParaRPr>
+          </a:p>
+          <a:p>
+            <a:pPr marL="228600" indent="-227880">
               <a:lnSpc>
                 <a:spcPct val="90000"/>
               </a:lnSpc>
@@ -4970,14 +4433,11 @@
               <a:t>Questions</a:t>
             </a:r>
             <a:endParaRPr b="0" lang="en-US" sz="2800" spc="-1" strike="noStrike">
-              <a:solidFill>
-                <a:srgbClr val="000000"/>
-              </a:solidFill>
-              <a:latin typeface="Calibri"/>
-            </a:endParaRPr>
-          </a:p>
-          <a:p>
-            <a:pPr lvl="1" marL="685800" indent="-228240">
+              <a:latin typeface="Arial"/>
+            </a:endParaRPr>
+          </a:p>
+          <a:p>
+            <a:pPr lvl="1" marL="685800" indent="-227880">
               <a:lnSpc>
                 <a:spcPct val="90000"/>
               </a:lnSpc>
@@ -5000,14 +4460,11 @@
               <a:t>Raise Hand       Once an instructor/helper calls on you, you can use voice and/or video to ask a question</a:t>
             </a:r>
             <a:endParaRPr b="0" lang="en-US" sz="2400" spc="-1" strike="noStrike">
-              <a:solidFill>
-                <a:srgbClr val="000000"/>
-              </a:solidFill>
-              <a:latin typeface="Calibri"/>
-            </a:endParaRPr>
-          </a:p>
-          <a:p>
-            <a:pPr lvl="1" marL="685800" indent="-228240">
+              <a:latin typeface="Arial"/>
+            </a:endParaRPr>
+          </a:p>
+          <a:p>
+            <a:pPr lvl="1" marL="685800" indent="-227880">
               <a:lnSpc>
                 <a:spcPct val="90000"/>
               </a:lnSpc>
@@ -5030,10 +4487,7 @@
               <a:t>Or type it in the chat at any time</a:t>
             </a:r>
             <a:endParaRPr b="0" lang="en-US" sz="2400" spc="-1" strike="noStrike">
-              <a:solidFill>
-                <a:srgbClr val="000000"/>
-              </a:solidFill>
-              <a:latin typeface="Calibri"/>
+              <a:latin typeface="Arial"/>
             </a:endParaRPr>
           </a:p>
           <a:p>
@@ -5046,14 +4500,11 @@
               </a:spcBef>
             </a:pPr>
             <a:endParaRPr b="0" lang="en-US" sz="2400" spc="-1" strike="noStrike">
-              <a:solidFill>
-                <a:srgbClr val="000000"/>
-              </a:solidFill>
-              <a:latin typeface="Calibri"/>
-            </a:endParaRPr>
-          </a:p>
-          <a:p>
-            <a:pPr marL="228600" indent="-228240">
+              <a:latin typeface="Arial"/>
+            </a:endParaRPr>
+          </a:p>
+          <a:p>
+            <a:pPr marL="228600" indent="-227880">
               <a:lnSpc>
                 <a:spcPct val="90000"/>
               </a:lnSpc>
@@ -5076,14 +4527,11 @@
               <a:t>You are welcome to have your video on or off as you are comfortable</a:t>
             </a:r>
             <a:endParaRPr b="0" lang="en-US" sz="2800" spc="-1" strike="noStrike">
-              <a:solidFill>
-                <a:srgbClr val="000000"/>
-              </a:solidFill>
-              <a:latin typeface="Calibri"/>
-            </a:endParaRPr>
-          </a:p>
-          <a:p>
-            <a:pPr marL="228600" indent="-228240">
+              <a:latin typeface="Arial"/>
+            </a:endParaRPr>
+          </a:p>
+          <a:p>
+            <a:pPr marL="228600" indent="-227880">
               <a:lnSpc>
                 <a:spcPct val="90000"/>
               </a:lnSpc>
@@ -5106,25 +4554,24 @@
               <a:t>If we are hacked, the session will end, and you will be emailed a new Zoom link shortly</a:t>
             </a:r>
             <a:endParaRPr b="0" lang="en-US" sz="2800" spc="-1" strike="noStrike">
-              <a:solidFill>
-                <a:srgbClr val="000000"/>
-              </a:solidFill>
-              <a:latin typeface="Calibri"/>
-            </a:endParaRPr>
-          </a:p>
-          <a:p>
+              <a:latin typeface="Arial"/>
+            </a:endParaRPr>
+          </a:p>
+          <a:p>
+            <a:pPr>
+              <a:lnSpc>
+                <a:spcPct val="100000"/>
+              </a:lnSpc>
+            </a:pPr>
             <a:endParaRPr b="0" lang="en-US" sz="2800" spc="-1" strike="noStrike">
-              <a:solidFill>
-                <a:srgbClr val="000000"/>
-              </a:solidFill>
-              <a:latin typeface="Calibri"/>
+              <a:latin typeface="Arial"/>
             </a:endParaRPr>
           </a:p>
         </p:txBody>
       </p:sp>
       <p:pic>
         <p:nvPicPr>
-          <p:cNvPr id="91" name="Graphic 4" descr="Raised hand with solid fill"/>
+          <p:cNvPr id="85" name="Graphic 4" descr="Raised hand with solid fill"/>
           <p:cNvPicPr/>
           <p:nvPr/>
         </p:nvPicPr>
@@ -5135,7 +4582,7 @@
         <p:spPr>
           <a:xfrm>
             <a:off x="2998080" y="3429000"/>
-            <a:ext cx="433440" cy="433440"/>
+            <a:ext cx="433080" cy="433080"/>
           </a:xfrm>
           <a:prstGeom prst="rect">
             <a:avLst/>
@@ -5177,14 +4624,14 @@
       </p:grpSpPr>
       <p:sp>
         <p:nvSpPr>
-          <p:cNvPr id="92" name="Title 1"/>
-          <p:cNvSpPr txBox="1"/>
+          <p:cNvPr id="86" name="Title 1"/>
+          <p:cNvSpPr/>
           <p:nvPr/>
         </p:nvSpPr>
         <p:spPr>
           <a:xfrm>
             <a:off x="838080" y="365040"/>
-            <a:ext cx="10515240" cy="1325160"/>
+            <a:ext cx="10514880" cy="1324800"/>
           </a:xfrm>
           <a:prstGeom prst="rect">
             <a:avLst/>
@@ -5194,8 +4641,14 @@
             <a:noFill/>
           </a:ln>
         </p:spPr>
-        <p:txBody>
-          <a:bodyPr anchor="ctr">
+        <p:style>
+          <a:lnRef idx="0"/>
+          <a:fillRef idx="0"/>
+          <a:effectRef idx="0"/>
+          <a:fontRef idx="minor"/>
+        </p:style>
+        <p:txBody>
+          <a:bodyPr lIns="90000" rIns="90000" tIns="45000" bIns="45000" anchor="ctr">
             <a:noAutofit/>
           </a:bodyPr>
           <a:p>
@@ -5214,24 +4667,21 @@
               <a:t>Instructors / helpers</a:t>
             </a:r>
             <a:endParaRPr b="0" lang="en-US" sz="4400" spc="-1" strike="noStrike">
-              <a:solidFill>
-                <a:srgbClr val="000000"/>
-              </a:solidFill>
-              <a:latin typeface="Calibri"/>
-            </a:endParaRPr>
-          </a:p>
-        </p:txBody>
-      </p:sp>
-      <p:sp>
-        <p:nvSpPr>
-          <p:cNvPr id="93" name="Content Placeholder 2"/>
-          <p:cNvSpPr txBox="1"/>
+              <a:latin typeface="Arial"/>
+            </a:endParaRPr>
+          </a:p>
+        </p:txBody>
+      </p:sp>
+      <p:sp>
+        <p:nvSpPr>
+          <p:cNvPr id="87" name="Content Placeholder 2"/>
+          <p:cNvSpPr/>
           <p:nvPr/>
         </p:nvSpPr>
         <p:spPr>
           <a:xfrm>
             <a:off x="838080" y="1825560"/>
-            <a:ext cx="10515240" cy="4350960"/>
+            <a:ext cx="10514880" cy="4350600"/>
           </a:xfrm>
           <a:prstGeom prst="rect">
             <a:avLst/>
@@ -5241,12 +4691,18 @@
             <a:noFill/>
           </a:ln>
         </p:spPr>
-        <p:txBody>
-          <a:bodyPr>
+        <p:style>
+          <a:lnRef idx="0"/>
+          <a:fillRef idx="0"/>
+          <a:effectRef idx="0"/>
+          <a:fontRef idx="minor"/>
+        </p:style>
+        <p:txBody>
+          <a:bodyPr lIns="90000" rIns="90000" tIns="45000" bIns="45000">
             <a:noAutofit/>
           </a:bodyPr>
           <a:p>
-            <a:pPr marL="228600" indent="-228240">
+            <a:pPr marL="228600" indent="-227880">
               <a:lnSpc>
                 <a:spcPct val="90000"/>
               </a:lnSpc>
@@ -5269,10 +4725,7 @@
               <a:t>Add your role and pronouns to your Zoom name</a:t>
             </a:r>
             <a:endParaRPr b="0" lang="en-US" sz="2800" spc="-1" strike="noStrike">
-              <a:solidFill>
-                <a:srgbClr val="000000"/>
-              </a:solidFill>
-              <a:latin typeface="Calibri"/>
+              <a:latin typeface="Arial"/>
             </a:endParaRPr>
           </a:p>
           <a:p>
@@ -5285,14 +4738,11 @@
               </a:spcBef>
             </a:pPr>
             <a:endParaRPr b="0" lang="en-US" sz="2800" spc="-1" strike="noStrike">
-              <a:solidFill>
-                <a:srgbClr val="000000"/>
-              </a:solidFill>
-              <a:latin typeface="Calibri"/>
-            </a:endParaRPr>
-          </a:p>
-          <a:p>
-            <a:pPr marL="228600" indent="-228240">
+              <a:latin typeface="Arial"/>
+            </a:endParaRPr>
+          </a:p>
+          <a:p>
+            <a:pPr marL="228600" indent="-227880">
               <a:lnSpc>
                 <a:spcPct val="90000"/>
               </a:lnSpc>
@@ -5315,14 +4765,11 @@
               <a:t>Feel free to interrupt instructor with questions from raised hands or chat</a:t>
             </a:r>
             <a:endParaRPr b="0" lang="en-US" sz="2800" spc="-1" strike="noStrike">
-              <a:solidFill>
-                <a:srgbClr val="000000"/>
-              </a:solidFill>
-              <a:latin typeface="Calibri"/>
-            </a:endParaRPr>
-          </a:p>
-          <a:p>
-            <a:pPr marL="228600" indent="-228240">
+              <a:latin typeface="Arial"/>
+            </a:endParaRPr>
+          </a:p>
+          <a:p>
+            <a:pPr marL="228600" indent="-227880">
               <a:lnSpc>
                 <a:spcPct val="90000"/>
               </a:lnSpc>
@@ -5345,10 +4792,7 @@
               <a:t>Also let instructor know if there are too many questions to keep up with and we need to pause</a:t>
             </a:r>
             <a:endParaRPr b="0" lang="en-US" sz="2800" spc="-1" strike="noStrike">
-              <a:solidFill>
-                <a:srgbClr val="000000"/>
-              </a:solidFill>
-              <a:latin typeface="Calibri"/>
+              <a:latin typeface="Arial"/>
             </a:endParaRPr>
           </a:p>
           <a:p>
@@ -5361,14 +4805,11 @@
               </a:spcBef>
             </a:pPr>
             <a:endParaRPr b="0" lang="en-US" sz="2800" spc="-1" strike="noStrike">
-              <a:solidFill>
-                <a:srgbClr val="000000"/>
-              </a:solidFill>
-              <a:latin typeface="Calibri"/>
-            </a:endParaRPr>
-          </a:p>
-          <a:p>
-            <a:pPr marL="228600" indent="-228240">
+              <a:latin typeface="Arial"/>
+            </a:endParaRPr>
+          </a:p>
+          <a:p>
+            <a:pPr marL="228600" indent="-227880">
               <a:lnSpc>
                 <a:spcPct val="90000"/>
               </a:lnSpc>
@@ -5391,10 +4832,7 @@
               <a:t>If using breakout rooms, try to pre-assign attendees at the beginning to avoid a delay later on</a:t>
             </a:r>
             <a:endParaRPr b="0" lang="en-US" sz="2800" spc="-1" strike="noStrike">
-              <a:solidFill>
-                <a:srgbClr val="000000"/>
-              </a:solidFill>
-              <a:latin typeface="Calibri"/>
+              <a:latin typeface="Arial"/>
             </a:endParaRPr>
           </a:p>
           <a:p>
@@ -5410,10 +4848,7 @@
               </a:tabLst>
             </a:pPr>
             <a:endParaRPr b="0" lang="en-US" sz="2800" spc="-1" strike="noStrike">
-              <a:solidFill>
-                <a:srgbClr val="000000"/>
-              </a:solidFill>
-              <a:latin typeface="Calibri"/>
+              <a:latin typeface="Arial"/>
             </a:endParaRPr>
           </a:p>
         </p:txBody>
